--- a/doc/wilga_2017_cugene/presentation/prezentacja_cugene_wilga_2017.pptx
+++ b/doc/wilga_2017_cugene/presentation/prezentacja_cugene_wilga_2017.pptx
@@ -24,23 +24,24 @@
     <p:sldId id="268" r:id="rId18"/>
     <p:sldId id="269" r:id="rId19"/>
     <p:sldId id="270" r:id="rId20"/>
+    <p:sldId id="271" r:id="rId21"/>
   </p:sldIdLst>
   <p:sldSz cy="5143500" cx="9144000"/>
   <p:notesSz cx="6858000" cy="9144000"/>
   <p:embeddedFontLst>
     <p:embeddedFont>
       <p:font typeface="Raleway"/>
-      <p:regular r:id="rId21"/>
-      <p:bold r:id="rId22"/>
-      <p:italic r:id="rId23"/>
-      <p:boldItalic r:id="rId24"/>
+      <p:regular r:id="rId22"/>
+      <p:bold r:id="rId23"/>
+      <p:italic r:id="rId24"/>
+      <p:boldItalic r:id="rId25"/>
     </p:embeddedFont>
     <p:embeddedFont>
       <p:font typeface="Source Sans Pro"/>
-      <p:regular r:id="rId25"/>
-      <p:bold r:id="rId26"/>
-      <p:italic r:id="rId27"/>
-      <p:boldItalic r:id="rId28"/>
+      <p:regular r:id="rId26"/>
+      <p:bold r:id="rId27"/>
+      <p:italic r:id="rId28"/>
+      <p:boldItalic r:id="rId29"/>
     </p:embeddedFont>
   </p:embeddedFontLst>
   <p:defaultTextStyle>
@@ -497,7 +498,7 @@
   <p:cSld>
     <p:spTree>
       <p:nvGrpSpPr>
-        <p:cNvPr id="171" name="Shape 171"/>
+        <p:cNvPr id="176" name="Shape 176"/>
         <p:cNvGrpSpPr/>
         <p:nvPr/>
       </p:nvGrpSpPr>
@@ -511,7 +512,7 @@
       </p:grpSpPr>
       <p:sp>
         <p:nvSpPr>
-          <p:cNvPr id="172" name="Shape 172"/>
+          <p:cNvPr id="177" name="Shape 177"/>
           <p:cNvSpPr/>
           <p:nvPr>
             <p:ph idx="2" type="sldImg"/>
@@ -545,7 +546,7 @@
       </p:sp>
       <p:sp>
         <p:nvSpPr>
-          <p:cNvPr id="173" name="Shape 173"/>
+          <p:cNvPr id="178" name="Shape 178"/>
           <p:cNvSpPr txBox="1"/>
           <p:nvPr>
             <p:ph idx="1" type="body"/>
@@ -592,7 +593,7 @@
   <p:cSld>
     <p:spTree>
       <p:nvGrpSpPr>
-        <p:cNvPr id="182" name="Shape 182"/>
+        <p:cNvPr id="187" name="Shape 187"/>
         <p:cNvGrpSpPr/>
         <p:nvPr/>
       </p:nvGrpSpPr>
@@ -606,7 +607,7 @@
       </p:grpSpPr>
       <p:sp>
         <p:nvSpPr>
-          <p:cNvPr id="183" name="Shape 183"/>
+          <p:cNvPr id="188" name="Shape 188"/>
           <p:cNvSpPr/>
           <p:nvPr>
             <p:ph idx="2" type="sldImg"/>
@@ -640,7 +641,7 @@
       </p:sp>
       <p:sp>
         <p:nvSpPr>
-          <p:cNvPr id="184" name="Shape 184"/>
+          <p:cNvPr id="189" name="Shape 189"/>
           <p:cNvSpPr txBox="1"/>
           <p:nvPr>
             <p:ph idx="1" type="body"/>
@@ -687,7 +688,7 @@
   <p:cSld>
     <p:spTree>
       <p:nvGrpSpPr>
-        <p:cNvPr id="193" name="Shape 193"/>
+        <p:cNvPr id="198" name="Shape 198"/>
         <p:cNvGrpSpPr/>
         <p:nvPr/>
       </p:nvGrpSpPr>
@@ -701,7 +702,7 @@
       </p:grpSpPr>
       <p:sp>
         <p:nvSpPr>
-          <p:cNvPr id="194" name="Shape 194"/>
+          <p:cNvPr id="199" name="Shape 199"/>
           <p:cNvSpPr/>
           <p:nvPr>
             <p:ph idx="2" type="sldImg"/>
@@ -735,7 +736,7 @@
       </p:sp>
       <p:sp>
         <p:nvSpPr>
-          <p:cNvPr id="195" name="Shape 195"/>
+          <p:cNvPr id="200" name="Shape 200"/>
           <p:cNvSpPr txBox="1"/>
           <p:nvPr>
             <p:ph idx="1" type="body"/>
@@ -851,7 +852,7 @@
           </a:bodyPr>
           <a:lstStyle/>
           <a:p>
-            <a:pPr lvl="0" rtl="0">
+            <a:pPr lvl="0">
               <a:spcBef>
                 <a:spcPts val="0"/>
               </a:spcBef>
@@ -877,7 +878,7 @@
   <p:cSld>
     <p:spTree>
       <p:nvGrpSpPr>
-        <p:cNvPr id="210" name="Shape 210"/>
+        <p:cNvPr id="211" name="Shape 211"/>
         <p:cNvGrpSpPr/>
         <p:nvPr/>
       </p:nvGrpSpPr>
@@ -891,7 +892,7 @@
       </p:grpSpPr>
       <p:sp>
         <p:nvSpPr>
-          <p:cNvPr id="211" name="Shape 211"/>
+          <p:cNvPr id="212" name="Shape 212"/>
           <p:cNvSpPr/>
           <p:nvPr>
             <p:ph idx="2" type="sldImg"/>
@@ -925,7 +926,7 @@
       </p:sp>
       <p:sp>
         <p:nvSpPr>
-          <p:cNvPr id="212" name="Shape 212"/>
+          <p:cNvPr id="213" name="Shape 213"/>
           <p:cNvSpPr txBox="1"/>
           <p:nvPr>
             <p:ph idx="1" type="body"/>
@@ -972,7 +973,7 @@
   <p:cSld>
     <p:spTree>
       <p:nvGrpSpPr>
-        <p:cNvPr id="217" name="Shape 217"/>
+        <p:cNvPr id="218" name="Shape 218"/>
         <p:cNvGrpSpPr/>
         <p:nvPr/>
       </p:nvGrpSpPr>
@@ -986,7 +987,7 @@
       </p:grpSpPr>
       <p:sp>
         <p:nvSpPr>
-          <p:cNvPr id="218" name="Shape 218"/>
+          <p:cNvPr id="219" name="Shape 219"/>
           <p:cNvSpPr/>
           <p:nvPr>
             <p:ph idx="2" type="sldImg"/>
@@ -1020,7 +1021,7 @@
       </p:sp>
       <p:sp>
         <p:nvSpPr>
-          <p:cNvPr id="219" name="Shape 219"/>
+          <p:cNvPr id="220" name="Shape 220"/>
           <p:cNvSpPr txBox="1"/>
           <p:nvPr>
             <p:ph idx="1" type="body"/>
@@ -1041,7 +1042,102 @@
           </a:bodyPr>
           <a:lstStyle/>
           <a:p>
-            <a:pPr lvl="0">
+            <a:pPr lvl="0" rtl="0">
+              <a:spcBef>
+                <a:spcPts val="0"/>
+              </a:spcBef>
+              <a:buNone/>
+            </a:pPr>
+            <a:r>
+              <a:t/>
+            </a:r>
+            <a:endParaRPr/>
+          </a:p>
+        </p:txBody>
+      </p:sp>
+    </p:spTree>
+  </p:cSld>
+  <p:clrMapOvr>
+    <a:masterClrMapping/>
+  </p:clrMapOvr>
+</p:notes>
+</file>
+
+<file path=ppt/notesSlides/notesSlide16.xml><?xml version="1.0" encoding="utf-8"?>
+<p:notes xmlns:a="http://schemas.openxmlformats.org/drawingml/2006/main" xmlns:r="http://schemas.openxmlformats.org/officeDocument/2006/relationships" xmlns:mc="http://schemas.openxmlformats.org/markup-compatibility/2006" xmlns:mv="urn:schemas-microsoft-com:mac:vml" xmlns:p="http://schemas.openxmlformats.org/presentationml/2006/main" xmlns:c="http://schemas.openxmlformats.org/drawingml/2006/chart" xmlns:dgm="http://schemas.openxmlformats.org/drawingml/2006/diagram" xmlns:o="urn:schemas-microsoft-com:office:office" xmlns:v="urn:schemas-microsoft-com:vml" xmlns:pvml="urn:schemas-microsoft-com:office:powerpoint" xmlns:com="http://schemas.openxmlformats.org/drawingml/2006/compatibility" xmlns:p14="http://schemas.microsoft.com/office/powerpoint/2010/main" showMasterPhAnim="0" showMasterSp="0">
+  <p:cSld>
+    <p:spTree>
+      <p:nvGrpSpPr>
+        <p:cNvPr id="225" name="Shape 225"/>
+        <p:cNvGrpSpPr/>
+        <p:nvPr/>
+      </p:nvGrpSpPr>
+      <p:grpSpPr>
+        <a:xfrm>
+          <a:off x="0" y="0"/>
+          <a:ext cx="0" cy="0"/>
+          <a:chOff x="0" y="0"/>
+          <a:chExt cx="0" cy="0"/>
+        </a:xfrm>
+      </p:grpSpPr>
+      <p:sp>
+        <p:nvSpPr>
+          <p:cNvPr id="226" name="Shape 226"/>
+          <p:cNvSpPr/>
+          <p:nvPr>
+            <p:ph idx="2" type="sldImg"/>
+          </p:nvPr>
+        </p:nvSpPr>
+        <p:spPr>
+          <a:xfrm>
+            <a:off x="381300" y="685800"/>
+            <a:ext cx="6096000" cy="3429000"/>
+          </a:xfrm>
+          <a:custGeom>
+            <a:pathLst>
+              <a:path extrusionOk="0" h="120000" w="120000">
+                <a:moveTo>
+                  <a:pt x="0" y="0"/>
+                </a:moveTo>
+                <a:lnTo>
+                  <a:pt x="120000" y="0"/>
+                </a:lnTo>
+                <a:lnTo>
+                  <a:pt x="120000" y="120000"/>
+                </a:lnTo>
+                <a:lnTo>
+                  <a:pt x="0" y="120000"/>
+                </a:lnTo>
+                <a:close/>
+              </a:path>
+            </a:pathLst>
+          </a:custGeom>
+        </p:spPr>
+      </p:sp>
+      <p:sp>
+        <p:nvSpPr>
+          <p:cNvPr id="227" name="Shape 227"/>
+          <p:cNvSpPr txBox="1"/>
+          <p:nvPr>
+            <p:ph idx="1" type="body"/>
+          </p:nvPr>
+        </p:nvSpPr>
+        <p:spPr>
+          <a:xfrm>
+            <a:off x="685800" y="4343400"/>
+            <a:ext cx="5486400" cy="4114800"/>
+          </a:xfrm>
+          <a:prstGeom prst="rect">
+            <a:avLst/>
+          </a:prstGeom>
+        </p:spPr>
+        <p:txBody>
+          <a:bodyPr anchorCtr="0" anchor="t" bIns="91425" lIns="91425" rIns="91425" tIns="91425">
+            <a:noAutofit/>
+          </a:bodyPr>
+          <a:lstStyle/>
+          <a:p>
+            <a:pPr lvl="0" rtl="0">
               <a:spcBef>
                 <a:spcPts val="0"/>
               </a:spcBef>
@@ -1447,7 +1543,7 @@
   <p:cSld>
     <p:spTree>
       <p:nvGrpSpPr>
-        <p:cNvPr id="131" name="Shape 131"/>
+        <p:cNvPr id="134" name="Shape 134"/>
         <p:cNvGrpSpPr/>
         <p:nvPr/>
       </p:nvGrpSpPr>
@@ -1461,7 +1557,7 @@
       </p:grpSpPr>
       <p:sp>
         <p:nvSpPr>
-          <p:cNvPr id="132" name="Shape 132"/>
+          <p:cNvPr id="135" name="Shape 135"/>
           <p:cNvSpPr/>
           <p:nvPr>
             <p:ph idx="2" type="sldImg"/>
@@ -1495,7 +1591,7 @@
       </p:sp>
       <p:sp>
         <p:nvSpPr>
-          <p:cNvPr id="133" name="Shape 133"/>
+          <p:cNvPr id="136" name="Shape 136"/>
           <p:cNvSpPr txBox="1"/>
           <p:nvPr>
             <p:ph idx="1" type="body"/>
@@ -1542,7 +1638,7 @@
   <p:cSld>
     <p:spTree>
       <p:nvGrpSpPr>
-        <p:cNvPr id="140" name="Shape 140"/>
+        <p:cNvPr id="141" name="Shape 141"/>
         <p:cNvGrpSpPr/>
         <p:nvPr/>
       </p:nvGrpSpPr>
@@ -1556,7 +1652,7 @@
       </p:grpSpPr>
       <p:sp>
         <p:nvSpPr>
-          <p:cNvPr id="141" name="Shape 141"/>
+          <p:cNvPr id="142" name="Shape 142"/>
           <p:cNvSpPr/>
           <p:nvPr>
             <p:ph idx="2" type="sldImg"/>
@@ -1590,7 +1686,7 @@
       </p:sp>
       <p:sp>
         <p:nvSpPr>
-          <p:cNvPr id="142" name="Shape 142"/>
+          <p:cNvPr id="143" name="Shape 143"/>
           <p:cNvSpPr txBox="1"/>
           <p:nvPr>
             <p:ph idx="1" type="body"/>
@@ -1637,7 +1733,7 @@
   <p:cSld>
     <p:spTree>
       <p:nvGrpSpPr>
-        <p:cNvPr id="147" name="Shape 147"/>
+        <p:cNvPr id="154" name="Shape 154"/>
         <p:cNvGrpSpPr/>
         <p:nvPr/>
       </p:nvGrpSpPr>
@@ -1651,7 +1747,7 @@
       </p:grpSpPr>
       <p:sp>
         <p:nvSpPr>
-          <p:cNvPr id="148" name="Shape 148"/>
+          <p:cNvPr id="155" name="Shape 155"/>
           <p:cNvSpPr/>
           <p:nvPr>
             <p:ph idx="2" type="sldImg"/>
@@ -1685,7 +1781,7 @@
       </p:sp>
       <p:sp>
         <p:nvSpPr>
-          <p:cNvPr id="149" name="Shape 149"/>
+          <p:cNvPr id="156" name="Shape 156"/>
           <p:cNvSpPr txBox="1"/>
           <p:nvPr>
             <p:ph idx="1" type="body"/>
@@ -1732,7 +1828,7 @@
   <p:cSld>
     <p:spTree>
       <p:nvGrpSpPr>
-        <p:cNvPr id="160" name="Shape 160"/>
+        <p:cNvPr id="165" name="Shape 165"/>
         <p:cNvGrpSpPr/>
         <p:nvPr/>
       </p:nvGrpSpPr>
@@ -1746,7 +1842,7 @@
       </p:grpSpPr>
       <p:sp>
         <p:nvSpPr>
-          <p:cNvPr id="161" name="Shape 161"/>
+          <p:cNvPr id="166" name="Shape 166"/>
           <p:cNvSpPr/>
           <p:nvPr>
             <p:ph idx="2" type="sldImg"/>
@@ -1780,7 +1876,7 @@
       </p:sp>
       <p:sp>
         <p:nvSpPr>
-          <p:cNvPr id="162" name="Shape 162"/>
+          <p:cNvPr id="167" name="Shape 167"/>
           <p:cNvSpPr txBox="1"/>
           <p:nvPr>
             <p:ph idx="1" type="body"/>
@@ -8879,7 +8975,7 @@
   <p:cSld>
     <p:spTree>
       <p:nvGrpSpPr>
-        <p:cNvPr id="174" name="Shape 174"/>
+        <p:cNvPr id="179" name="Shape 179"/>
         <p:cNvGrpSpPr/>
         <p:nvPr/>
       </p:nvGrpSpPr>
@@ -8893,7 +8989,7 @@
       </p:grpSpPr>
       <p:sp>
         <p:nvSpPr>
-          <p:cNvPr id="175" name="Shape 175"/>
+          <p:cNvPr id="180" name="Shape 180"/>
           <p:cNvSpPr txBox="1"/>
           <p:nvPr>
             <p:ph type="title"/>
@@ -8901,7 +8997,7 @@
         </p:nvSpPr>
         <p:spPr>
           <a:xfrm>
-            <a:off x="311700" y="228300"/>
+            <a:off x="311700" y="473500"/>
             <a:ext cx="8520600" cy="623400"/>
           </a:xfrm>
           <a:prstGeom prst="rect">
@@ -8914,44 +9010,22 @@
           </a:bodyPr>
           <a:lstStyle/>
           <a:p>
-            <a:pPr lvl="0">
-              <a:spcBef>
-                <a:spcPts val="0"/>
-              </a:spcBef>
-              <a:buClr>
-                <a:schemeClr val="dk2"/>
-              </a:buClr>
-              <a:buSzPct val="36666"/>
-              <a:buFont typeface="Arial"/>
+            <a:pPr lvl="0" rtl="0">
+              <a:spcBef>
+                <a:spcPts val="0"/>
+              </a:spcBef>
               <a:buNone/>
             </a:pPr>
             <a:r>
               <a:rPr lang="pl"/>
-              <a:t>Searching time, SW algorithm</a:t>
+              <a:t>Searching time, SW and BLAST</a:t>
             </a:r>
           </a:p>
-          <a:p>
-            <a:pPr lvl="0" rtl="0">
-              <a:spcBef>
-                <a:spcPts val="0"/>
-              </a:spcBef>
-              <a:buClr>
-                <a:schemeClr val="dk2"/>
-              </a:buClr>
-              <a:buSzPct val="36666"/>
-              <a:buFont typeface="Arial"/>
-              <a:buNone/>
-            </a:pPr>
-            <a:r>
-              <a:t/>
-            </a:r>
-            <a:endParaRPr/>
-          </a:p>
         </p:txBody>
       </p:sp>
       <p:pic>
         <p:nvPicPr>
-          <p:cNvPr id="176" name="Shape 176"/>
+          <p:cNvPr id="181" name="Shape 181"/>
           <p:cNvPicPr preferRelativeResize="0"/>
           <p:nvPr/>
         </p:nvPicPr>
@@ -8959,13 +9033,13 @@
           <a:blip r:embed="rId3">
             <a:alphaModFix/>
           </a:blip>
-          <a:srcRect b="10800" l="23171" r="18461" t="25142"/>
+          <a:srcRect b="1392" l="1589" r="868" t="1226"/>
           <a:stretch/>
         </p:blipFill>
         <p:spPr>
           <a:xfrm>
-            <a:off x="1278875" y="929050"/>
-            <a:ext cx="6698126" cy="4133099"/>
+            <a:off x="1111550" y="1146075"/>
+            <a:ext cx="6973076" cy="3900775"/>
           </a:xfrm>
           <a:prstGeom prst="rect">
             <a:avLst/>
@@ -8978,63 +9052,13 @@
       </p:pic>
       <p:sp>
         <p:nvSpPr>
-          <p:cNvPr id="177" name="Shape 177"/>
-          <p:cNvSpPr txBox="1"/>
-          <p:nvPr/>
-        </p:nvSpPr>
-        <p:spPr>
-          <a:xfrm>
-            <a:off x="5976650" y="228300"/>
-            <a:ext cx="2795400" cy="623400"/>
-          </a:xfrm>
-          <a:prstGeom prst="rect">
-            <a:avLst/>
-          </a:prstGeom>
-          <a:noFill/>
-          <a:ln>
-            <a:noFill/>
-          </a:ln>
-        </p:spPr>
-        <p:txBody>
-          <a:bodyPr anchorCtr="0" anchor="ctr" bIns="91425" lIns="91425" rIns="91425" tIns="91425">
-            <a:noAutofit/>
-          </a:bodyPr>
-          <a:lstStyle/>
-          <a:p>
-            <a:pPr lvl="0" rtl="0">
-              <a:spcBef>
-                <a:spcPts val="0"/>
-              </a:spcBef>
-              <a:buNone/>
-            </a:pPr>
-            <a:r>
-              <a:rPr lang="pl">
-                <a:solidFill>
-                  <a:schemeClr val="dk2"/>
-                </a:solidFill>
-              </a:rPr>
-              <a:t>pattern</a:t>
-            </a:r>
-            <a:r>
-              <a:rPr lang="pl">
-                <a:solidFill>
-                  <a:schemeClr val="dk2"/>
-                </a:solidFill>
-              </a:rPr>
-              <a:t> length: 500 bp</a:t>
-            </a:r>
-          </a:p>
-        </p:txBody>
-      </p:sp>
-      <p:sp>
-        <p:nvSpPr>
-          <p:cNvPr id="178" name="Shape 178"/>
+          <p:cNvPr id="182" name="Shape 182"/>
           <p:cNvSpPr/>
           <p:nvPr/>
         </p:nvSpPr>
         <p:spPr>
-          <a:xfrm rot="5400000">
-            <a:off x="4482150" y="4394350"/>
+          <a:xfrm>
+            <a:off x="1158700" y="2190137"/>
             <a:ext cx="179700" cy="1155900"/>
           </a:xfrm>
           <a:prstGeom prst="rect">
@@ -9074,14 +9098,14 @@
       </p:sp>
       <p:sp>
         <p:nvSpPr>
-          <p:cNvPr id="179" name="Shape 179"/>
+          <p:cNvPr id="183" name="Shape 183"/>
           <p:cNvSpPr txBox="1"/>
           <p:nvPr/>
         </p:nvSpPr>
         <p:spPr>
-          <a:xfrm>
-            <a:off x="3958175" y="4799600"/>
-            <a:ext cx="1339500" cy="179700"/>
+          <a:xfrm rot="-5400000">
+            <a:off x="1051500" y="2748875"/>
+            <a:ext cx="549900" cy="179700"/>
           </a:xfrm>
           <a:prstGeom prst="rect">
             <a:avLst/>
@@ -9105,25 +9129,21 @@
             </a:pPr>
             <a:r>
               <a:rPr lang="pl" sz="800"/>
-              <a:t>sequence</a:t>
-            </a:r>
-            <a:r>
-              <a:rPr lang="pl" sz="800"/>
-              <a:t> length [bp]</a:t>
+              <a:t>time [s]</a:t>
             </a:r>
           </a:p>
         </p:txBody>
       </p:sp>
       <p:sp>
         <p:nvSpPr>
-          <p:cNvPr id="180" name="Shape 180"/>
+          <p:cNvPr id="184" name="Shape 184"/>
           <p:cNvSpPr/>
           <p:nvPr/>
         </p:nvSpPr>
         <p:spPr>
-          <a:xfrm>
-            <a:off x="1338200" y="2169437"/>
-            <a:ext cx="179700" cy="1155900"/>
+          <a:xfrm rot="5400000">
+            <a:off x="4726125" y="4201425"/>
+            <a:ext cx="179700" cy="1442100"/>
           </a:xfrm>
           <a:prstGeom prst="rect">
             <a:avLst/>
@@ -9162,14 +9182,14 @@
       </p:sp>
       <p:sp>
         <p:nvSpPr>
-          <p:cNvPr id="181" name="Shape 181"/>
+          <p:cNvPr id="185" name="Shape 185"/>
           <p:cNvSpPr txBox="1"/>
           <p:nvPr/>
         </p:nvSpPr>
         <p:spPr>
-          <a:xfrm rot="-5400000">
-            <a:off x="1051500" y="2748875"/>
-            <a:ext cx="549900" cy="179700"/>
+          <a:xfrm>
+            <a:off x="3979387" y="4778875"/>
+            <a:ext cx="1339500" cy="179700"/>
           </a:xfrm>
           <a:prstGeom prst="rect">
             <a:avLst/>
@@ -9193,7 +9213,49 @@
             </a:pPr>
             <a:r>
               <a:rPr lang="pl" sz="800"/>
-              <a:t>time [s]</a:t>
+              <a:t>pattern length [bp]</a:t>
+            </a:r>
+          </a:p>
+        </p:txBody>
+      </p:sp>
+      <p:sp>
+        <p:nvSpPr>
+          <p:cNvPr id="186" name="Shape 186"/>
+          <p:cNvSpPr txBox="1"/>
+          <p:nvPr/>
+        </p:nvSpPr>
+        <p:spPr>
+          <a:xfrm>
+            <a:off x="6141800" y="442300"/>
+            <a:ext cx="3621900" cy="623400"/>
+          </a:xfrm>
+          <a:prstGeom prst="rect">
+            <a:avLst/>
+          </a:prstGeom>
+          <a:noFill/>
+          <a:ln>
+            <a:noFill/>
+          </a:ln>
+        </p:spPr>
+        <p:txBody>
+          <a:bodyPr anchorCtr="0" anchor="ctr" bIns="91425" lIns="91425" rIns="91425" tIns="91425">
+            <a:noAutofit/>
+          </a:bodyPr>
+          <a:lstStyle/>
+          <a:p>
+            <a:pPr lvl="0" rtl="0">
+              <a:spcBef>
+                <a:spcPts val="0"/>
+              </a:spcBef>
+              <a:buNone/>
+            </a:pPr>
+            <a:r>
+              <a:rPr lang="pl">
+                <a:solidFill>
+                  <a:schemeClr val="dk2"/>
+                </a:solidFill>
+              </a:rPr>
+              <a:t>sequence length: 5 000 bp</a:t>
             </a:r>
           </a:p>
         </p:txBody>
@@ -9211,7 +9273,7 @@
   <p:cSld>
     <p:spTree>
       <p:nvGrpSpPr>
-        <p:cNvPr id="185" name="Shape 185"/>
+        <p:cNvPr id="190" name="Shape 190"/>
         <p:cNvGrpSpPr/>
         <p:nvPr/>
       </p:nvGrpSpPr>
@@ -9225,7 +9287,7 @@
       </p:grpSpPr>
       <p:sp>
         <p:nvSpPr>
-          <p:cNvPr id="186" name="Shape 186"/>
+          <p:cNvPr id="191" name="Shape 191"/>
           <p:cNvSpPr txBox="1"/>
           <p:nvPr>
             <p:ph type="title"/>
@@ -9246,7 +9308,7 @@
           </a:bodyPr>
           <a:lstStyle/>
           <a:p>
-            <a:pPr lvl="0" rtl="0">
+            <a:pPr lvl="0">
               <a:spcBef>
                 <a:spcPts val="0"/>
               </a:spcBef>
@@ -9257,11 +9319,23 @@
               <a:t>Searching time, SW and BLAST</a:t>
             </a:r>
           </a:p>
+          <a:p>
+            <a:pPr lvl="0" rtl="0">
+              <a:spcBef>
+                <a:spcPts val="0"/>
+              </a:spcBef>
+              <a:buNone/>
+            </a:pPr>
+            <a:r>
+              <a:t/>
+            </a:r>
+            <a:endParaRPr/>
+          </a:p>
         </p:txBody>
       </p:sp>
       <p:pic>
         <p:nvPicPr>
-          <p:cNvPr id="187" name="Shape 187"/>
+          <p:cNvPr id="192" name="Shape 192"/>
           <p:cNvPicPr preferRelativeResize="0"/>
           <p:nvPr/>
         </p:nvPicPr>
@@ -9269,13 +9343,13 @@
           <a:blip r:embed="rId3">
             <a:alphaModFix/>
           </a:blip>
-          <a:srcRect b="1392" l="1589" r="868" t="1226"/>
+          <a:srcRect b="1366" l="696" r="1255" t="1724"/>
           <a:stretch/>
         </p:blipFill>
         <p:spPr>
           <a:xfrm>
-            <a:off x="1111550" y="1146075"/>
-            <a:ext cx="6973076" cy="3900775"/>
+            <a:off x="1263425" y="1166774"/>
+            <a:ext cx="6579551" cy="3921498"/>
           </a:xfrm>
           <a:prstGeom prst="rect">
             <a:avLst/>
@@ -9288,13 +9362,13 @@
       </p:pic>
       <p:sp>
         <p:nvSpPr>
-          <p:cNvPr id="188" name="Shape 188"/>
+          <p:cNvPr id="193" name="Shape 193"/>
           <p:cNvSpPr/>
           <p:nvPr/>
         </p:nvSpPr>
         <p:spPr>
           <a:xfrm>
-            <a:off x="1158700" y="2190137"/>
+            <a:off x="1338200" y="2169437"/>
             <a:ext cx="179700" cy="1155900"/>
           </a:xfrm>
           <a:prstGeom prst="rect">
@@ -9334,13 +9408,13 @@
       </p:sp>
       <p:sp>
         <p:nvSpPr>
-          <p:cNvPr id="189" name="Shape 189"/>
+          <p:cNvPr id="194" name="Shape 194"/>
           <p:cNvSpPr txBox="1"/>
           <p:nvPr/>
         </p:nvSpPr>
         <p:spPr>
           <a:xfrm rot="-5400000">
-            <a:off x="1051500" y="2748875"/>
+            <a:off x="1217200" y="2769600"/>
             <a:ext cx="549900" cy="179700"/>
           </a:xfrm>
           <a:prstGeom prst="rect">
@@ -9372,14 +9446,14 @@
       </p:sp>
       <p:sp>
         <p:nvSpPr>
-          <p:cNvPr id="190" name="Shape 190"/>
+          <p:cNvPr id="195" name="Shape 195"/>
           <p:cNvSpPr/>
           <p:nvPr/>
         </p:nvSpPr>
         <p:spPr>
           <a:xfrm rot="5400000">
-            <a:off x="4726125" y="4201425"/>
-            <a:ext cx="179700" cy="1442100"/>
+            <a:off x="4809050" y="4064925"/>
+            <a:ext cx="179700" cy="1731900"/>
           </a:xfrm>
           <a:prstGeom prst="rect">
             <a:avLst/>
@@ -9418,13 +9492,13 @@
       </p:sp>
       <p:sp>
         <p:nvSpPr>
-          <p:cNvPr id="191" name="Shape 191"/>
+          <p:cNvPr id="196" name="Shape 196"/>
           <p:cNvSpPr txBox="1"/>
           <p:nvPr/>
         </p:nvSpPr>
         <p:spPr>
           <a:xfrm>
-            <a:off x="3979387" y="4778875"/>
+            <a:off x="3902250" y="4771975"/>
             <a:ext cx="1339500" cy="179700"/>
           </a:xfrm>
           <a:prstGeom prst="rect">
@@ -9449,21 +9523,21 @@
             </a:pPr>
             <a:r>
               <a:rPr lang="pl" sz="800"/>
-              <a:t>pattern length [bp]</a:t>
+              <a:t>sequence length [bp]</a:t>
             </a:r>
           </a:p>
         </p:txBody>
       </p:sp>
       <p:sp>
         <p:nvSpPr>
-          <p:cNvPr id="192" name="Shape 192"/>
+          <p:cNvPr id="197" name="Shape 197"/>
           <p:cNvSpPr txBox="1"/>
           <p:nvPr/>
         </p:nvSpPr>
         <p:spPr>
           <a:xfrm>
-            <a:off x="6141800" y="442300"/>
-            <a:ext cx="3621900" cy="623400"/>
+            <a:off x="6273525" y="473500"/>
+            <a:ext cx="2795400" cy="623400"/>
           </a:xfrm>
           <a:prstGeom prst="rect">
             <a:avLst/>
@@ -9491,7 +9565,7 @@
                   <a:schemeClr val="dk2"/>
                 </a:solidFill>
               </a:rPr>
-              <a:t>sequence length: 5 000 bp</a:t>
+              <a:t>pattern length: 500 bp</a:t>
             </a:r>
           </a:p>
         </p:txBody>
@@ -9509,7 +9583,7 @@
   <p:cSld>
     <p:spTree>
       <p:nvGrpSpPr>
-        <p:cNvPr id="196" name="Shape 196"/>
+        <p:cNvPr id="201" name="Shape 201"/>
         <p:cNvGrpSpPr/>
         <p:nvPr/>
       </p:nvGrpSpPr>
@@ -9523,7 +9597,7 @@
       </p:grpSpPr>
       <p:sp>
         <p:nvSpPr>
-          <p:cNvPr id="197" name="Shape 197"/>
+          <p:cNvPr id="202" name="Shape 202"/>
           <p:cNvSpPr txBox="1"/>
           <p:nvPr>
             <p:ph type="title"/>
@@ -9531,135 +9605,12 @@
         </p:nvSpPr>
         <p:spPr>
           <a:xfrm>
-            <a:off x="311700" y="473500"/>
+            <a:off x="311700" y="445025"/>
             <a:ext cx="8520600" cy="623400"/>
           </a:xfrm>
           <a:prstGeom prst="rect">
             <a:avLst/>
           </a:prstGeom>
-        </p:spPr>
-        <p:txBody>
-          <a:bodyPr anchorCtr="0" anchor="t" bIns="91425" lIns="91425" rIns="91425" tIns="91425">
-            <a:noAutofit/>
-          </a:bodyPr>
-          <a:lstStyle/>
-          <a:p>
-            <a:pPr lvl="0">
-              <a:spcBef>
-                <a:spcPts val="0"/>
-              </a:spcBef>
-              <a:buNone/>
-            </a:pPr>
-            <a:r>
-              <a:rPr lang="pl"/>
-              <a:t>Searching time, SW and BLAST</a:t>
-            </a:r>
-          </a:p>
-          <a:p>
-            <a:pPr lvl="0" rtl="0">
-              <a:spcBef>
-                <a:spcPts val="0"/>
-              </a:spcBef>
-              <a:buNone/>
-            </a:pPr>
-            <a:r>
-              <a:t/>
-            </a:r>
-            <a:endParaRPr/>
-          </a:p>
-        </p:txBody>
-      </p:sp>
-      <p:pic>
-        <p:nvPicPr>
-          <p:cNvPr id="198" name="Shape 198"/>
-          <p:cNvPicPr preferRelativeResize="0"/>
-          <p:nvPr/>
-        </p:nvPicPr>
-        <p:blipFill rotWithShape="1">
-          <a:blip r:embed="rId3">
-            <a:alphaModFix/>
-          </a:blip>
-          <a:srcRect b="1366" l="696" r="1255" t="1724"/>
-          <a:stretch/>
-        </p:blipFill>
-        <p:spPr>
-          <a:xfrm>
-            <a:off x="1263425" y="1166774"/>
-            <a:ext cx="6579551" cy="3921498"/>
-          </a:xfrm>
-          <a:prstGeom prst="rect">
-            <a:avLst/>
-          </a:prstGeom>
-          <a:noFill/>
-          <a:ln>
-            <a:noFill/>
-          </a:ln>
-        </p:spPr>
-      </p:pic>
-      <p:sp>
-        <p:nvSpPr>
-          <p:cNvPr id="199" name="Shape 199"/>
-          <p:cNvSpPr/>
-          <p:nvPr/>
-        </p:nvSpPr>
-        <p:spPr>
-          <a:xfrm>
-            <a:off x="1338200" y="2169437"/>
-            <a:ext cx="179700" cy="1155900"/>
-          </a:xfrm>
-          <a:prstGeom prst="rect">
-            <a:avLst/>
-          </a:prstGeom>
-          <a:solidFill>
-            <a:srgbClr val="FFFFFF"/>
-          </a:solidFill>
-          <a:ln cap="flat" cmpd="sng" w="9525">
-            <a:solidFill>
-              <a:srgbClr val="FFFFFF"/>
-            </a:solidFill>
-            <a:prstDash val="solid"/>
-            <a:round/>
-            <a:headEnd len="med" w="med" type="none"/>
-            <a:tailEnd len="med" w="med" type="none"/>
-          </a:ln>
-        </p:spPr>
-        <p:txBody>
-          <a:bodyPr anchorCtr="0" anchor="ctr" bIns="91425" lIns="91425" rIns="91425" tIns="91425">
-            <a:noAutofit/>
-          </a:bodyPr>
-          <a:lstStyle/>
-          <a:p>
-            <a:pPr lvl="0">
-              <a:spcBef>
-                <a:spcPts val="0"/>
-              </a:spcBef>
-              <a:buNone/>
-            </a:pPr>
-            <a:r>
-              <a:t/>
-            </a:r>
-            <a:endParaRPr/>
-          </a:p>
-        </p:txBody>
-      </p:sp>
-      <p:sp>
-        <p:nvSpPr>
-          <p:cNvPr id="200" name="Shape 200"/>
-          <p:cNvSpPr txBox="1"/>
-          <p:nvPr/>
-        </p:nvSpPr>
-        <p:spPr>
-          <a:xfrm rot="-5400000">
-            <a:off x="1217200" y="2769600"/>
-            <a:ext cx="549900" cy="179700"/>
-          </a:xfrm>
-          <a:prstGeom prst="rect">
-            <a:avLst/>
-          </a:prstGeom>
-          <a:noFill/>
-          <a:ln>
-            <a:noFill/>
-          </a:ln>
         </p:spPr>
         <p:txBody>
           <a:bodyPr anchorCtr="0" anchor="t" bIns="91425" lIns="91425" rIns="91425" tIns="91425">
@@ -9674,46 +9625,17 @@
               <a:buNone/>
             </a:pPr>
             <a:r>
-              <a:rPr lang="pl" sz="800"/>
-              <a:t>time [s]</a:t>
+              <a:rPr lang="pl">
+                <a:latin typeface="Arial"/>
+                <a:ea typeface="Arial"/>
+                <a:cs typeface="Arial"/>
+                <a:sym typeface="Arial"/>
+              </a:rPr>
+              <a:t>Genome browsers functionality comparison</a:t>
             </a:r>
           </a:p>
-        </p:txBody>
-      </p:sp>
-      <p:sp>
-        <p:nvSpPr>
-          <p:cNvPr id="201" name="Shape 201"/>
-          <p:cNvSpPr/>
-          <p:nvPr/>
-        </p:nvSpPr>
-        <p:spPr>
-          <a:xfrm rot="5400000">
-            <a:off x="4809050" y="4064925"/>
-            <a:ext cx="179700" cy="1731900"/>
-          </a:xfrm>
-          <a:prstGeom prst="rect">
-            <a:avLst/>
-          </a:prstGeom>
-          <a:solidFill>
-            <a:srgbClr val="FFFFFF"/>
-          </a:solidFill>
-          <a:ln cap="flat" cmpd="sng" w="9525">
-            <a:solidFill>
-              <a:srgbClr val="FFFFFF"/>
-            </a:solidFill>
-            <a:prstDash val="solid"/>
-            <a:round/>
-            <a:headEnd len="med" w="med" type="none"/>
-            <a:tailEnd len="med" w="med" type="none"/>
-          </a:ln>
-        </p:spPr>
-        <p:txBody>
-          <a:bodyPr anchorCtr="0" anchor="ctr" bIns="91425" lIns="91425" rIns="91425" tIns="91425">
-            <a:noAutofit/>
-          </a:bodyPr>
-          <a:lstStyle/>
           <a:p>
-            <a:pPr lvl="0">
+            <a:pPr lvl="0" rtl="0">
               <a:spcBef>
                 <a:spcPts val="0"/>
               </a:spcBef>
@@ -9722,20 +9644,33 @@
             <a:r>
               <a:t/>
             </a:r>
-            <a:endParaRPr/>
+            <a:endParaRPr>
+              <a:latin typeface="Arial"/>
+              <a:ea typeface="Arial"/>
+              <a:cs typeface="Arial"/>
+              <a:sym typeface="Arial"/>
+            </a:endParaRPr>
           </a:p>
         </p:txBody>
       </p:sp>
-      <p:sp>
-        <p:nvSpPr>
-          <p:cNvPr id="202" name="Shape 202"/>
-          <p:cNvSpPr txBox="1"/>
+      <p:pic>
+        <p:nvPicPr>
+          <p:cNvPr id="203" name="Shape 203"/>
+          <p:cNvPicPr preferRelativeResize="0"/>
           <p:nvPr/>
-        </p:nvSpPr>
-        <p:spPr>
-          <a:xfrm>
-            <a:off x="3902250" y="4771975"/>
-            <a:ext cx="1339500" cy="179700"/>
+        </p:nvPicPr>
+        <p:blipFill>
+          <a:blip r:embed="rId3">
+            <a:alphaModFix/>
+          </a:blip>
+          <a:stretch>
+            <a:fillRect/>
+          </a:stretch>
+        </p:blipFill>
+        <p:spPr>
+          <a:xfrm>
+            <a:off x="474962" y="1068425"/>
+            <a:ext cx="8194064" cy="3770274"/>
           </a:xfrm>
           <a:prstGeom prst="rect">
             <a:avLst/>
@@ -9745,67 +9680,7 @@
             <a:noFill/>
           </a:ln>
         </p:spPr>
-        <p:txBody>
-          <a:bodyPr anchorCtr="0" anchor="t" bIns="91425" lIns="91425" rIns="91425" tIns="91425">
-            <a:noAutofit/>
-          </a:bodyPr>
-          <a:lstStyle/>
-          <a:p>
-            <a:pPr lvl="0" rtl="0">
-              <a:spcBef>
-                <a:spcPts val="0"/>
-              </a:spcBef>
-              <a:buNone/>
-            </a:pPr>
-            <a:r>
-              <a:rPr lang="pl" sz="800"/>
-              <a:t>sequence length [bp]</a:t>
-            </a:r>
-          </a:p>
-        </p:txBody>
-      </p:sp>
-      <p:sp>
-        <p:nvSpPr>
-          <p:cNvPr id="203" name="Shape 203"/>
-          <p:cNvSpPr txBox="1"/>
-          <p:nvPr/>
-        </p:nvSpPr>
-        <p:spPr>
-          <a:xfrm>
-            <a:off x="6273525" y="473500"/>
-            <a:ext cx="2795400" cy="623400"/>
-          </a:xfrm>
-          <a:prstGeom prst="rect">
-            <a:avLst/>
-          </a:prstGeom>
-          <a:noFill/>
-          <a:ln>
-            <a:noFill/>
-          </a:ln>
-        </p:spPr>
-        <p:txBody>
-          <a:bodyPr anchorCtr="0" anchor="ctr" bIns="91425" lIns="91425" rIns="91425" tIns="91425">
-            <a:noAutofit/>
-          </a:bodyPr>
-          <a:lstStyle/>
-          <a:p>
-            <a:pPr lvl="0" rtl="0">
-              <a:spcBef>
-                <a:spcPts val="0"/>
-              </a:spcBef>
-              <a:buNone/>
-            </a:pPr>
-            <a:r>
-              <a:rPr lang="pl">
-                <a:solidFill>
-                  <a:schemeClr val="dk2"/>
-                </a:solidFill>
-              </a:rPr>
-              <a:t>pattern length: 500 bp</a:t>
-            </a:r>
-          </a:p>
-        </p:txBody>
-      </p:sp>
+      </p:pic>
     </p:spTree>
   </p:cSld>
   <p:clrMapOvr>
@@ -9854,24 +9729,7 @@
           </a:bodyPr>
           <a:lstStyle/>
           <a:p>
-            <a:pPr lvl="0" rtl="0">
-              <a:spcBef>
-                <a:spcPts val="0"/>
-              </a:spcBef>
-              <a:buNone/>
-            </a:pPr>
-            <a:r>
-              <a:rPr lang="pl">
-                <a:latin typeface="Arial"/>
-                <a:ea typeface="Arial"/>
-                <a:cs typeface="Arial"/>
-                <a:sym typeface="Arial"/>
-              </a:rPr>
-              <a:t>Genome browsers functionality comparison</a:t>
-            </a:r>
-          </a:p>
-          <a:p>
-            <a:pPr lvl="0" rtl="0">
+            <a:pPr lvl="0">
               <a:spcBef>
                 <a:spcPts val="0"/>
               </a:spcBef>
@@ -9880,18 +9738,49 @@
             <a:r>
               <a:t/>
             </a:r>
-            <a:endParaRPr>
-              <a:latin typeface="Arial"/>
-              <a:ea typeface="Arial"/>
-              <a:cs typeface="Arial"/>
-              <a:sym typeface="Arial"/>
-            </a:endParaRPr>
+            <a:endParaRPr/>
+          </a:p>
+        </p:txBody>
+      </p:sp>
+      <p:sp>
+        <p:nvSpPr>
+          <p:cNvPr id="209" name="Shape 209"/>
+          <p:cNvSpPr txBox="1"/>
+          <p:nvPr>
+            <p:ph idx="1" type="body"/>
+          </p:nvPr>
+        </p:nvSpPr>
+        <p:spPr>
+          <a:xfrm>
+            <a:off x="311700" y="1152475"/>
+            <a:ext cx="8520600" cy="3416400"/>
+          </a:xfrm>
+          <a:prstGeom prst="rect">
+            <a:avLst/>
+          </a:prstGeom>
+        </p:spPr>
+        <p:txBody>
+          <a:bodyPr anchorCtr="0" anchor="t" bIns="91425" lIns="91425" rIns="91425" tIns="91425">
+            <a:noAutofit/>
+          </a:bodyPr>
+          <a:lstStyle/>
+          <a:p>
+            <a:pPr lvl="0">
+              <a:spcBef>
+                <a:spcPts val="0"/>
+              </a:spcBef>
+              <a:buNone/>
+            </a:pPr>
+            <a:r>
+              <a:t/>
+            </a:r>
+            <a:endParaRPr/>
           </a:p>
         </p:txBody>
       </p:sp>
       <p:pic>
         <p:nvPicPr>
-          <p:cNvPr id="209" name="Shape 209"/>
+          <p:cNvPr id="210" name="Shape 210"/>
           <p:cNvPicPr preferRelativeResize="0"/>
           <p:nvPr/>
         </p:nvPicPr>
@@ -9905,8 +9794,8 @@
         </p:blipFill>
         <p:spPr>
           <a:xfrm>
-            <a:off x="474962" y="1068425"/>
-            <a:ext cx="8194064" cy="3770274"/>
+            <a:off x="482776" y="157612"/>
+            <a:ext cx="8178448" cy="4828274"/>
           </a:xfrm>
           <a:prstGeom prst="rect">
             <a:avLst/>
@@ -9930,7 +9819,7 @@
   <p:cSld>
     <p:spTree>
       <p:nvGrpSpPr>
-        <p:cNvPr id="213" name="Shape 213"/>
+        <p:cNvPr id="214" name="Shape 214"/>
         <p:cNvGrpSpPr/>
         <p:nvPr/>
       </p:nvGrpSpPr>
@@ -9944,7 +9833,7 @@
       </p:grpSpPr>
       <p:sp>
         <p:nvSpPr>
-          <p:cNvPr id="214" name="Shape 214"/>
+          <p:cNvPr id="215" name="Shape 215"/>
           <p:cNvSpPr txBox="1"/>
           <p:nvPr>
             <p:ph type="title"/>
@@ -9980,7 +9869,7 @@
       </p:sp>
       <p:sp>
         <p:nvSpPr>
-          <p:cNvPr id="215" name="Shape 215"/>
+          <p:cNvPr id="216" name="Shape 216"/>
           <p:cNvSpPr txBox="1"/>
           <p:nvPr>
             <p:ph idx="1" type="body"/>
@@ -10016,7 +9905,7 @@
       </p:sp>
       <p:pic>
         <p:nvPicPr>
-          <p:cNvPr id="216" name="Shape 216"/>
+          <p:cNvPr id="217" name="Shape 217"/>
           <p:cNvPicPr preferRelativeResize="0"/>
           <p:nvPr/>
         </p:nvPicPr>
@@ -10030,8 +9919,8 @@
         </p:blipFill>
         <p:spPr>
           <a:xfrm>
-            <a:off x="482776" y="157612"/>
-            <a:ext cx="8178448" cy="4828274"/>
+            <a:off x="665375" y="330524"/>
+            <a:ext cx="7813249" cy="4592650"/>
           </a:xfrm>
           <a:prstGeom prst="rect">
             <a:avLst/>
@@ -10055,7 +9944,7 @@
   <p:cSld>
     <p:spTree>
       <p:nvGrpSpPr>
-        <p:cNvPr id="220" name="Shape 220"/>
+        <p:cNvPr id="221" name="Shape 221"/>
         <p:cNvGrpSpPr/>
         <p:nvPr/>
       </p:nvGrpSpPr>
@@ -10069,7 +9958,7 @@
       </p:grpSpPr>
       <p:sp>
         <p:nvSpPr>
-          <p:cNvPr id="221" name="Shape 221"/>
+          <p:cNvPr id="222" name="Shape 222"/>
           <p:cNvSpPr txBox="1"/>
           <p:nvPr>
             <p:ph type="title"/>
@@ -10077,7 +9966,7 @@
         </p:nvSpPr>
         <p:spPr>
           <a:xfrm>
-            <a:off x="311700" y="445025"/>
+            <a:off x="311700" y="546625"/>
             <a:ext cx="8520600" cy="623400"/>
           </a:xfrm>
           <a:prstGeom prst="rect">
@@ -10090,7 +9979,249 @@
           </a:bodyPr>
           <a:lstStyle/>
           <a:p>
+            <a:pPr lvl="0" rtl="0">
+              <a:spcBef>
+                <a:spcPts val="0"/>
+              </a:spcBef>
+              <a:buNone/>
+            </a:pPr>
+            <a:r>
+              <a:rPr lang="pl"/>
+              <a:t>Conclusions</a:t>
+            </a:r>
+          </a:p>
+        </p:txBody>
+      </p:sp>
+      <p:sp>
+        <p:nvSpPr>
+          <p:cNvPr id="223" name="Shape 223"/>
+          <p:cNvSpPr txBox="1"/>
+          <p:nvPr>
+            <p:ph idx="1" type="body"/>
+          </p:nvPr>
+        </p:nvSpPr>
+        <p:spPr>
+          <a:xfrm>
+            <a:off x="311700" y="1553450"/>
+            <a:ext cx="8457000" cy="3416400"/>
+          </a:xfrm>
+          <a:prstGeom prst="rect">
+            <a:avLst/>
+          </a:prstGeom>
+        </p:spPr>
+        <p:txBody>
+          <a:bodyPr anchorCtr="0" anchor="t" bIns="91425" lIns="91425" rIns="91425" tIns="91425">
+            <a:noAutofit/>
+          </a:bodyPr>
+          <a:lstStyle/>
+          <a:p>
+            <a:pPr indent="-381000" lvl="0" marL="457200">
+              <a:spcBef>
+                <a:spcPts val="0"/>
+              </a:spcBef>
+              <a:buClr>
+                <a:schemeClr val="dk2"/>
+              </a:buClr>
+              <a:buSzPct val="100000"/>
+              <a:buFont typeface="Arial"/>
+            </a:pPr>
+            <a:r>
+              <a:rPr lang="pl" sz="2400">
+                <a:solidFill>
+                  <a:schemeClr val="dk2"/>
+                </a:solidFill>
+                <a:latin typeface="Arial"/>
+                <a:ea typeface="Arial"/>
+                <a:cs typeface="Arial"/>
+                <a:sym typeface="Arial"/>
+              </a:rPr>
+              <a:t>client-server web application, easy to use</a:t>
+            </a:r>
+          </a:p>
+          <a:p>
+            <a:pPr indent="-381000" lvl="0" marL="457200">
+              <a:spcBef>
+                <a:spcPts val="0"/>
+              </a:spcBef>
+              <a:buClr>
+                <a:schemeClr val="dk2"/>
+              </a:buClr>
+              <a:buSzPct val="100000"/>
+              <a:buFont typeface="Arial"/>
+            </a:pPr>
+            <a:r>
+              <a:rPr lang="pl" sz="2400">
+                <a:solidFill>
+                  <a:schemeClr val="dk2"/>
+                </a:solidFill>
+                <a:latin typeface="Arial"/>
+                <a:ea typeface="Arial"/>
+                <a:cs typeface="Arial"/>
+                <a:sym typeface="Arial"/>
+              </a:rPr>
+              <a:t>developed to store many ogranisms, many genomes</a:t>
+            </a:r>
+          </a:p>
+          <a:p>
+            <a:pPr indent="-381000" lvl="0" marL="457200" rtl="0">
+              <a:spcBef>
+                <a:spcPts val="0"/>
+              </a:spcBef>
+              <a:buClr>
+                <a:schemeClr val="dk2"/>
+              </a:buClr>
+              <a:buSzPct val="100000"/>
+              <a:buFont typeface="Arial"/>
+            </a:pPr>
+            <a:r>
+              <a:rPr lang="pl" sz="2400">
+                <a:solidFill>
+                  <a:schemeClr val="dk2"/>
+                </a:solidFill>
+                <a:latin typeface="Arial"/>
+                <a:ea typeface="Arial"/>
+                <a:cs typeface="Arial"/>
+                <a:sym typeface="Arial"/>
+              </a:rPr>
+              <a:t>used for cucumber genome</a:t>
+            </a:r>
+          </a:p>
+          <a:p>
+            <a:pPr indent="-381000" lvl="0" marL="457200" rtl="0">
+              <a:spcBef>
+                <a:spcPts val="0"/>
+              </a:spcBef>
+              <a:buClr>
+                <a:schemeClr val="dk2"/>
+              </a:buClr>
+              <a:buSzPct val="100000"/>
+              <a:buFont typeface="Arial"/>
+            </a:pPr>
+            <a:r>
+              <a:rPr lang="pl" sz="2400">
+                <a:solidFill>
+                  <a:schemeClr val="dk2"/>
+                </a:solidFill>
+                <a:latin typeface="Arial"/>
+                <a:ea typeface="Arial"/>
+                <a:cs typeface="Arial"/>
+                <a:sym typeface="Arial"/>
+              </a:rPr>
+              <a:t>freealy available at </a:t>
+            </a:r>
+            <a:r>
+              <a:rPr lang="pl" sz="2400" u="sng">
+                <a:solidFill>
+                  <a:schemeClr val="hlink"/>
+                </a:solidFill>
+                <a:latin typeface="Arial"/>
+                <a:ea typeface="Arial"/>
+                <a:cs typeface="Arial"/>
+                <a:sym typeface="Arial"/>
+                <a:hlinkClick r:id="rId3"/>
+              </a:rPr>
+              <a:t>http://cugene.sourceforge.net</a:t>
+            </a:r>
+          </a:p>
+          <a:p>
+            <a:pPr indent="-381000" lvl="0" marL="457200" rtl="0">
+              <a:spcBef>
+                <a:spcPts val="0"/>
+              </a:spcBef>
+              <a:buClr>
+                <a:schemeClr val="dk2"/>
+              </a:buClr>
+              <a:buSzPct val="100000"/>
+              <a:buFont typeface="Arial"/>
+            </a:pPr>
+            <a:r>
+              <a:rPr lang="pl" sz="2400">
+                <a:solidFill>
+                  <a:schemeClr val="dk2"/>
+                </a:solidFill>
+                <a:latin typeface="Arial"/>
+                <a:ea typeface="Arial"/>
+                <a:cs typeface="Arial"/>
+                <a:sym typeface="Arial"/>
+              </a:rPr>
+              <a:t>demo server </a:t>
+            </a:r>
+            <a:r>
+              <a:rPr lang="pl" sz="2400" u="sng">
+                <a:solidFill>
+                  <a:schemeClr val="hlink"/>
+                </a:solidFill>
+                <a:latin typeface="Arial"/>
+                <a:ea typeface="Arial"/>
+                <a:cs typeface="Arial"/>
+                <a:sym typeface="Arial"/>
+                <a:hlinkClick r:id="rId4"/>
+              </a:rPr>
+              <a:t>http://antakya.ise.pw.edu.pl:9002</a:t>
+            </a:r>
+          </a:p>
+          <a:p>
+            <a:pPr lvl="0" rtl="0">
+              <a:spcBef>
+                <a:spcPts val="0"/>
+              </a:spcBef>
+              <a:buNone/>
+            </a:pPr>
+            <a:r>
+              <a:t/>
+            </a:r>
+            <a:endParaRPr sz="2400">
+              <a:solidFill>
+                <a:schemeClr val="dk2"/>
+              </a:solidFill>
+              <a:latin typeface="Arial"/>
+              <a:ea typeface="Arial"/>
+              <a:cs typeface="Arial"/>
+              <a:sym typeface="Arial"/>
+            </a:endParaRPr>
+          </a:p>
+          <a:p>
             <a:pPr lvl="0">
+              <a:spcBef>
+                <a:spcPts val="0"/>
+              </a:spcBef>
+              <a:buNone/>
+            </a:pPr>
+            <a:r>
+              <a:t/>
+            </a:r>
+            <a:endParaRPr sz="2400">
+              <a:solidFill>
+                <a:schemeClr val="dk2"/>
+              </a:solidFill>
+              <a:latin typeface="Arial"/>
+              <a:ea typeface="Arial"/>
+              <a:cs typeface="Arial"/>
+              <a:sym typeface="Arial"/>
+            </a:endParaRPr>
+          </a:p>
+          <a:p>
+            <a:pPr lvl="0" rtl="0">
+              <a:spcBef>
+                <a:spcPts val="0"/>
+              </a:spcBef>
+              <a:buNone/>
+            </a:pPr>
+            <a:r>
+              <a:t/>
+            </a:r>
+            <a:endParaRPr sz="2400">
+              <a:solidFill>
+                <a:schemeClr val="dk2"/>
+              </a:solidFill>
+              <a:latin typeface="Arial"/>
+              <a:ea typeface="Arial"/>
+              <a:cs typeface="Arial"/>
+              <a:sym typeface="Arial"/>
+            </a:endParaRPr>
+          </a:p>
+          <a:p>
+            <a:pPr lvl="0" rtl="0">
               <a:spcBef>
                 <a:spcPts val="0"/>
               </a:spcBef>
@@ -10105,16 +10236,89 @@
       </p:sp>
       <p:sp>
         <p:nvSpPr>
-          <p:cNvPr id="222" name="Shape 222"/>
+          <p:cNvPr id="224" name="Shape 224"/>
+          <p:cNvSpPr txBox="1"/>
+          <p:nvPr/>
+        </p:nvSpPr>
+        <p:spPr>
+          <a:xfrm>
+            <a:off x="3946250" y="1170025"/>
+            <a:ext cx="5032800" cy="3050400"/>
+          </a:xfrm>
+          <a:prstGeom prst="rect">
+            <a:avLst/>
+          </a:prstGeom>
+          <a:noFill/>
+          <a:ln>
+            <a:noFill/>
+          </a:ln>
+        </p:spPr>
+        <p:txBody>
+          <a:bodyPr anchorCtr="0" anchor="ctr" bIns="91425" lIns="91425" rIns="91425" tIns="91425">
+            <a:noAutofit/>
+          </a:bodyPr>
+          <a:lstStyle/>
+          <a:p>
+            <a:pPr lvl="0" rtl="0">
+              <a:lnSpc>
+                <a:spcPct val="115000"/>
+              </a:lnSpc>
+              <a:spcBef>
+                <a:spcPts val="0"/>
+              </a:spcBef>
+              <a:spcAft>
+                <a:spcPts val="1600"/>
+              </a:spcAft>
+              <a:buNone/>
+            </a:pPr>
+            <a:r>
+              <a:t/>
+            </a:r>
+            <a:endParaRPr sz="2400">
+              <a:solidFill>
+                <a:schemeClr val="dk2"/>
+              </a:solidFill>
+            </a:endParaRPr>
+          </a:p>
+        </p:txBody>
+      </p:sp>
+    </p:spTree>
+  </p:cSld>
+  <p:clrMapOvr>
+    <a:masterClrMapping/>
+  </p:clrMapOvr>
+</p:sld>
+</file>
+
+<file path=ppt/slides/slide16.xml><?xml version="1.0" encoding="utf-8"?>
+<p:sld xmlns:a="http://schemas.openxmlformats.org/drawingml/2006/main" xmlns:r="http://schemas.openxmlformats.org/officeDocument/2006/relationships" xmlns:mc="http://schemas.openxmlformats.org/markup-compatibility/2006" xmlns:mv="urn:schemas-microsoft-com:mac:vml" xmlns:p="http://schemas.openxmlformats.org/presentationml/2006/main" xmlns:c="http://schemas.openxmlformats.org/drawingml/2006/chart" xmlns:dgm="http://schemas.openxmlformats.org/drawingml/2006/diagram" xmlns:o="urn:schemas-microsoft-com:office:office" xmlns:v="urn:schemas-microsoft-com:vml" xmlns:pvml="urn:schemas-microsoft-com:office:powerpoint" xmlns:com="http://schemas.openxmlformats.org/drawingml/2006/compatibility" xmlns:p14="http://schemas.microsoft.com/office/powerpoint/2010/main">
+  <p:cSld>
+    <p:spTree>
+      <p:nvGrpSpPr>
+        <p:cNvPr id="228" name="Shape 228"/>
+        <p:cNvGrpSpPr/>
+        <p:nvPr/>
+      </p:nvGrpSpPr>
+      <p:grpSpPr>
+        <a:xfrm>
+          <a:off x="0" y="0"/>
+          <a:ext cx="0" cy="0"/>
+          <a:chOff x="0" y="0"/>
+          <a:chExt cx="0" cy="0"/>
+        </a:xfrm>
+      </p:grpSpPr>
+      <p:sp>
+        <p:nvSpPr>
+          <p:cNvPr id="229" name="Shape 229"/>
           <p:cNvSpPr txBox="1"/>
           <p:nvPr>
-            <p:ph idx="1" type="body"/>
+            <p:ph type="title"/>
           </p:nvPr>
         </p:nvSpPr>
         <p:spPr>
           <a:xfrm>
-            <a:off x="311700" y="1152475"/>
-            <a:ext cx="8520600" cy="3416400"/>
+            <a:off x="2085975" y="2139675"/>
+            <a:ext cx="4000500" cy="623400"/>
           </a:xfrm>
           <a:prstGeom prst="rect">
             <a:avLst/>
@@ -10126,7 +10330,43 @@
           </a:bodyPr>
           <a:lstStyle/>
           <a:p>
-            <a:pPr lvl="0">
+            <a:pPr lvl="0" rtl="0">
+              <a:spcBef>
+                <a:spcPts val="0"/>
+              </a:spcBef>
+              <a:buNone/>
+            </a:pPr>
+            <a:r>
+              <a:rPr lang="pl" sz="4800"/>
+              <a:t>Thank you</a:t>
+            </a:r>
+          </a:p>
+        </p:txBody>
+      </p:sp>
+      <p:sp>
+        <p:nvSpPr>
+          <p:cNvPr id="230" name="Shape 230"/>
+          <p:cNvSpPr txBox="1"/>
+          <p:nvPr>
+            <p:ph idx="1" type="body"/>
+          </p:nvPr>
+        </p:nvSpPr>
+        <p:spPr>
+          <a:xfrm>
+            <a:off x="311700" y="1553450"/>
+            <a:ext cx="8457000" cy="3416400"/>
+          </a:xfrm>
+          <a:prstGeom prst="rect">
+            <a:avLst/>
+          </a:prstGeom>
+        </p:spPr>
+        <p:txBody>
+          <a:bodyPr anchorCtr="0" anchor="t" bIns="91425" lIns="91425" rIns="91425" tIns="91425">
+            <a:noAutofit/>
+          </a:bodyPr>
+          <a:lstStyle/>
+          <a:p>
+            <a:pPr lvl="0" rtl="0">
               <a:spcBef>
                 <a:spcPts val="0"/>
               </a:spcBef>
@@ -10139,24 +10379,16 @@
           </a:p>
         </p:txBody>
       </p:sp>
-      <p:pic>
-        <p:nvPicPr>
-          <p:cNvPr id="223" name="Shape 223"/>
-          <p:cNvPicPr preferRelativeResize="0"/>
+      <p:sp>
+        <p:nvSpPr>
+          <p:cNvPr id="231" name="Shape 231"/>
+          <p:cNvSpPr txBox="1"/>
           <p:nvPr/>
-        </p:nvPicPr>
-        <p:blipFill>
-          <a:blip r:embed="rId3">
-            <a:alphaModFix/>
-          </a:blip>
-          <a:stretch>
-            <a:fillRect/>
-          </a:stretch>
-        </p:blipFill>
-        <p:spPr>
-          <a:xfrm>
-            <a:off x="665375" y="330524"/>
-            <a:ext cx="7813249" cy="4592650"/>
+        </p:nvSpPr>
+        <p:spPr>
+          <a:xfrm>
+            <a:off x="3946250" y="1170025"/>
+            <a:ext cx="5032800" cy="3050400"/>
           </a:xfrm>
           <a:prstGeom prst="rect">
             <a:avLst/>
@@ -10166,7 +10398,35 @@
             <a:noFill/>
           </a:ln>
         </p:spPr>
-      </p:pic>
+        <p:txBody>
+          <a:bodyPr anchorCtr="0" anchor="ctr" bIns="91425" lIns="91425" rIns="91425" tIns="91425">
+            <a:noAutofit/>
+          </a:bodyPr>
+          <a:lstStyle/>
+          <a:p>
+            <a:pPr lvl="0" rtl="0">
+              <a:lnSpc>
+                <a:spcPct val="115000"/>
+              </a:lnSpc>
+              <a:spcBef>
+                <a:spcPts val="0"/>
+              </a:spcBef>
+              <a:spcAft>
+                <a:spcPts val="1600"/>
+              </a:spcAft>
+              <a:buNone/>
+            </a:pPr>
+            <a:r>
+              <a:t/>
+            </a:r>
+            <a:endParaRPr sz="2400">
+              <a:solidFill>
+                <a:schemeClr val="dk2"/>
+              </a:solidFill>
+            </a:endParaRPr>
+          </a:p>
+        </p:txBody>
+      </p:sp>
     </p:spTree>
   </p:cSld>
   <p:clrMapOvr>
@@ -10307,7 +10567,7 @@
                 <a:cs typeface="Arial"/>
                 <a:sym typeface="Arial"/>
               </a:rPr>
-              <a:t>interactive zoom from megabase to nucleotide resolution</a:t>
+              <a:t>interactive zooming</a:t>
             </a:r>
           </a:p>
           <a:p>
@@ -10397,7 +10657,7 @@
                 <a:cs typeface="Arial"/>
                 <a:sym typeface="Arial"/>
               </a:rPr>
-              <a:t>an option for being run as online client-server as well as standalone application</a:t>
+              <a:t>many searching algorithms </a:t>
             </a:r>
           </a:p>
           <a:p>
@@ -10427,7 +10687,37 @@
                 <a:cs typeface="Arial"/>
                 <a:sym typeface="Arial"/>
               </a:rPr>
-              <a:t>the possibility to integrate third party applications with CG via HTTP API</a:t>
+              <a:t>import FASTA, GFF (general feature format), XLS (Excel) files</a:t>
+            </a:r>
+          </a:p>
+          <a:p>
+            <a:pPr indent="-368300" lvl="0" marL="457200" marR="0" rtl="0" algn="l">
+              <a:lnSpc>
+                <a:spcPct val="115000"/>
+              </a:lnSpc>
+              <a:spcBef>
+                <a:spcPts val="0"/>
+              </a:spcBef>
+              <a:spcAft>
+                <a:spcPts val="1600"/>
+              </a:spcAft>
+              <a:buClr>
+                <a:schemeClr val="dk2"/>
+              </a:buClr>
+              <a:buSzPct val="100000"/>
+              <a:buFont typeface="Arial"/>
+            </a:pPr>
+            <a:r>
+              <a:rPr lang="pl" sz="2200">
+                <a:solidFill>
+                  <a:schemeClr val="dk2"/>
+                </a:solidFill>
+                <a:latin typeface="Arial"/>
+                <a:ea typeface="Arial"/>
+                <a:cs typeface="Arial"/>
+                <a:sym typeface="Arial"/>
+              </a:rPr>
+              <a:t>the possibility to integrate third party applications with CuGene via HTTP API</a:t>
             </a:r>
           </a:p>
         </p:txBody>
@@ -10737,197 +11027,6 @@
               <a:buNone/>
             </a:pPr>
             <a:r>
-              <a:rPr lang="pl"/>
-              <a:t>Input data format</a:t>
-            </a:r>
-          </a:p>
-        </p:txBody>
-      </p:sp>
-      <p:sp>
-        <p:nvSpPr>
-          <p:cNvPr id="130" name="Shape 130"/>
-          <p:cNvSpPr txBox="1"/>
-          <p:nvPr>
-            <p:ph idx="1" type="body"/>
-          </p:nvPr>
-        </p:nvSpPr>
-        <p:spPr>
-          <a:xfrm>
-            <a:off x="311700" y="1332050"/>
-            <a:ext cx="8520600" cy="3416400"/>
-          </a:xfrm>
-          <a:prstGeom prst="rect">
-            <a:avLst/>
-          </a:prstGeom>
-        </p:spPr>
-        <p:txBody>
-          <a:bodyPr anchorCtr="0" anchor="t" bIns="91425" lIns="91425" rIns="91425" tIns="91425">
-            <a:noAutofit/>
-          </a:bodyPr>
-          <a:lstStyle/>
-          <a:p>
-            <a:pPr indent="-381000" lvl="0" marL="457200" rtl="0">
-              <a:spcBef>
-                <a:spcPts val="0"/>
-              </a:spcBef>
-              <a:buClr>
-                <a:schemeClr val="dk2"/>
-              </a:buClr>
-              <a:buSzPct val="100000"/>
-              <a:buFont typeface="Arial"/>
-            </a:pPr>
-            <a:r>
-              <a:rPr lang="pl" sz="2400">
-                <a:solidFill>
-                  <a:schemeClr val="dk2"/>
-                </a:solidFill>
-                <a:latin typeface="Arial"/>
-                <a:ea typeface="Arial"/>
-                <a:cs typeface="Arial"/>
-                <a:sym typeface="Arial"/>
-              </a:rPr>
-              <a:t>FASTA</a:t>
-            </a:r>
-            <a:br>
-              <a:rPr lang="pl" sz="2400">
-                <a:solidFill>
-                  <a:schemeClr val="dk2"/>
-                </a:solidFill>
-                <a:latin typeface="Arial"/>
-                <a:ea typeface="Arial"/>
-                <a:cs typeface="Arial"/>
-                <a:sym typeface="Arial"/>
-              </a:rPr>
-            </a:br>
-          </a:p>
-          <a:p>
-            <a:pPr indent="-381000" lvl="0" marL="457200" rtl="0">
-              <a:spcBef>
-                <a:spcPts val="0"/>
-              </a:spcBef>
-              <a:buClr>
-                <a:schemeClr val="dk2"/>
-              </a:buClr>
-              <a:buSzPct val="100000"/>
-              <a:buFont typeface="Arial"/>
-            </a:pPr>
-            <a:r>
-              <a:rPr lang="pl" sz="2400">
-                <a:solidFill>
-                  <a:schemeClr val="dk2"/>
-                </a:solidFill>
-                <a:latin typeface="Arial"/>
-                <a:ea typeface="Arial"/>
-                <a:cs typeface="Arial"/>
-                <a:sym typeface="Arial"/>
-              </a:rPr>
-              <a:t>GFF (general feature format)</a:t>
-            </a:r>
-            <a:br>
-              <a:rPr lang="pl" sz="2400">
-                <a:solidFill>
-                  <a:schemeClr val="dk2"/>
-                </a:solidFill>
-                <a:latin typeface="Arial"/>
-                <a:ea typeface="Arial"/>
-                <a:cs typeface="Arial"/>
-                <a:sym typeface="Arial"/>
-              </a:rPr>
-            </a:br>
-          </a:p>
-          <a:p>
-            <a:pPr indent="-381000" lvl="0" marL="457200" rtl="0">
-              <a:spcBef>
-                <a:spcPts val="0"/>
-              </a:spcBef>
-              <a:buClr>
-                <a:schemeClr val="dk2"/>
-              </a:buClr>
-              <a:buSzPct val="100000"/>
-              <a:buFont typeface="Arial"/>
-            </a:pPr>
-            <a:r>
-              <a:rPr lang="pl" sz="2400">
-                <a:solidFill>
-                  <a:schemeClr val="dk2"/>
-                </a:solidFill>
-                <a:latin typeface="Arial"/>
-                <a:ea typeface="Arial"/>
-                <a:cs typeface="Arial"/>
-                <a:sym typeface="Arial"/>
-              </a:rPr>
-              <a:t>Excel</a:t>
-            </a:r>
-          </a:p>
-          <a:p>
-            <a:pPr lvl="0" rtl="0">
-              <a:spcBef>
-                <a:spcPts val="0"/>
-              </a:spcBef>
-              <a:buNone/>
-            </a:pPr>
-            <a:r>
-              <a:t/>
-            </a:r>
-            <a:endParaRPr/>
-          </a:p>
-        </p:txBody>
-      </p:sp>
-    </p:spTree>
-  </p:cSld>
-  <p:clrMapOvr>
-    <a:masterClrMapping/>
-  </p:clrMapOvr>
-</p:sld>
-</file>
-
-<file path=ppt/slides/slide6.xml><?xml version="1.0" encoding="utf-8"?>
-<p:sld xmlns:a="http://schemas.openxmlformats.org/drawingml/2006/main" xmlns:r="http://schemas.openxmlformats.org/officeDocument/2006/relationships" xmlns:mc="http://schemas.openxmlformats.org/markup-compatibility/2006" xmlns:mv="urn:schemas-microsoft-com:mac:vml" xmlns:p="http://schemas.openxmlformats.org/presentationml/2006/main" xmlns:c="http://schemas.openxmlformats.org/drawingml/2006/chart" xmlns:dgm="http://schemas.openxmlformats.org/drawingml/2006/diagram" xmlns:o="urn:schemas-microsoft-com:office:office" xmlns:v="urn:schemas-microsoft-com:vml" xmlns:pvml="urn:schemas-microsoft-com:office:powerpoint" xmlns:com="http://schemas.openxmlformats.org/drawingml/2006/compatibility" xmlns:p14="http://schemas.microsoft.com/office/powerpoint/2010/main">
-  <p:cSld>
-    <p:spTree>
-      <p:nvGrpSpPr>
-        <p:cNvPr id="134" name="Shape 134"/>
-        <p:cNvGrpSpPr/>
-        <p:nvPr/>
-      </p:nvGrpSpPr>
-      <p:grpSpPr>
-        <a:xfrm>
-          <a:off x="0" y="0"/>
-          <a:ext cx="0" cy="0"/>
-          <a:chOff x="0" y="0"/>
-          <a:chExt cx="0" cy="0"/>
-        </a:xfrm>
-      </p:grpSpPr>
-      <p:sp>
-        <p:nvSpPr>
-          <p:cNvPr id="135" name="Shape 135"/>
-          <p:cNvSpPr txBox="1"/>
-          <p:nvPr>
-            <p:ph type="title"/>
-          </p:nvPr>
-        </p:nvSpPr>
-        <p:spPr>
-          <a:xfrm>
-            <a:off x="311700" y="445025"/>
-            <a:ext cx="8520600" cy="623400"/>
-          </a:xfrm>
-          <a:prstGeom prst="rect">
-            <a:avLst/>
-          </a:prstGeom>
-        </p:spPr>
-        <p:txBody>
-          <a:bodyPr anchorCtr="0" anchor="t" bIns="91425" lIns="91425" rIns="91425" tIns="91425">
-            <a:noAutofit/>
-          </a:bodyPr>
-          <a:lstStyle/>
-          <a:p>
-            <a:pPr lvl="0" rtl="0">
-              <a:spcBef>
-                <a:spcPts val="0"/>
-              </a:spcBef>
-              <a:buNone/>
-            </a:pPr>
-            <a:r>
               <a:rPr lang="pl">
                 <a:latin typeface="Arial"/>
                 <a:ea typeface="Arial"/>
@@ -10967,7 +11066,7 @@
       </p:sp>
       <p:sp>
         <p:nvSpPr>
-          <p:cNvPr id="136" name="Shape 136"/>
+          <p:cNvPr id="130" name="Shape 130"/>
           <p:cNvSpPr txBox="1"/>
           <p:nvPr>
             <p:ph idx="1" type="body"/>
@@ -11079,7 +11178,7 @@
       </p:sp>
       <p:pic>
         <p:nvPicPr>
-          <p:cNvPr id="137" name="Shape 137"/>
+          <p:cNvPr id="131" name="Shape 131"/>
           <p:cNvPicPr preferRelativeResize="0"/>
           <p:nvPr/>
         </p:nvPicPr>
@@ -11107,7 +11206,7 @@
       </p:pic>
       <p:sp>
         <p:nvSpPr>
-          <p:cNvPr id="138" name="Shape 138"/>
+          <p:cNvPr id="132" name="Shape 132"/>
           <p:cNvSpPr txBox="1"/>
           <p:nvPr/>
         </p:nvSpPr>
@@ -11161,7 +11260,7 @@
       </p:sp>
       <p:sp>
         <p:nvSpPr>
-          <p:cNvPr id="139" name="Shape 139"/>
+          <p:cNvPr id="133" name="Shape 133"/>
           <p:cNvSpPr txBox="1"/>
           <p:nvPr/>
         </p:nvSpPr>
@@ -11235,12 +11334,12 @@
 </p:sld>
 </file>
 
-<file path=ppt/slides/slide7.xml><?xml version="1.0" encoding="utf-8"?>
+<file path=ppt/slides/slide6.xml><?xml version="1.0" encoding="utf-8"?>
 <p:sld xmlns:a="http://schemas.openxmlformats.org/drawingml/2006/main" xmlns:r="http://schemas.openxmlformats.org/officeDocument/2006/relationships" xmlns:mc="http://schemas.openxmlformats.org/markup-compatibility/2006" xmlns:mv="urn:schemas-microsoft-com:mac:vml" xmlns:p="http://schemas.openxmlformats.org/presentationml/2006/main" xmlns:c="http://schemas.openxmlformats.org/drawingml/2006/chart" xmlns:dgm="http://schemas.openxmlformats.org/drawingml/2006/diagram" xmlns:o="urn:schemas-microsoft-com:office:office" xmlns:v="urn:schemas-microsoft-com:vml" xmlns:pvml="urn:schemas-microsoft-com:office:powerpoint" xmlns:com="http://schemas.openxmlformats.org/drawingml/2006/compatibility" xmlns:p14="http://schemas.microsoft.com/office/powerpoint/2010/main">
   <p:cSld>
     <p:spTree>
       <p:nvGrpSpPr>
-        <p:cNvPr id="143" name="Shape 143"/>
+        <p:cNvPr id="137" name="Shape 137"/>
         <p:cNvGrpSpPr/>
         <p:nvPr/>
       </p:nvGrpSpPr>
@@ -11254,7 +11353,7 @@
       </p:grpSpPr>
       <p:sp>
         <p:nvSpPr>
-          <p:cNvPr id="144" name="Shape 144"/>
+          <p:cNvPr id="138" name="Shape 138"/>
           <p:cNvSpPr txBox="1"/>
           <p:nvPr>
             <p:ph type="title"/>
@@ -11294,7 +11393,7 @@
       </p:sp>
       <p:sp>
         <p:nvSpPr>
-          <p:cNvPr id="145" name="Shape 145"/>
+          <p:cNvPr id="139" name="Shape 139"/>
           <p:cNvSpPr txBox="1"/>
           <p:nvPr>
             <p:ph idx="1" type="body"/>
@@ -11498,7 +11597,7 @@
       </p:sp>
       <p:sp>
         <p:nvSpPr>
-          <p:cNvPr id="146" name="Shape 146"/>
+          <p:cNvPr id="140" name="Shape 140"/>
           <p:cNvSpPr txBox="1"/>
           <p:nvPr/>
         </p:nvSpPr>
@@ -11552,12 +11651,12 @@
 </p:sld>
 </file>
 
-<file path=ppt/slides/slide8.xml><?xml version="1.0" encoding="utf-8"?>
+<file path=ppt/slides/slide7.xml><?xml version="1.0" encoding="utf-8"?>
 <p:sld xmlns:a="http://schemas.openxmlformats.org/drawingml/2006/main" xmlns:r="http://schemas.openxmlformats.org/officeDocument/2006/relationships" xmlns:mc="http://schemas.openxmlformats.org/markup-compatibility/2006" xmlns:mv="urn:schemas-microsoft-com:mac:vml" xmlns:p="http://schemas.openxmlformats.org/presentationml/2006/main" xmlns:c="http://schemas.openxmlformats.org/drawingml/2006/chart" xmlns:dgm="http://schemas.openxmlformats.org/drawingml/2006/diagram" xmlns:o="urn:schemas-microsoft-com:office:office" xmlns:v="urn:schemas-microsoft-com:vml" xmlns:pvml="urn:schemas-microsoft-com:office:powerpoint" xmlns:com="http://schemas.openxmlformats.org/drawingml/2006/compatibility" xmlns:p14="http://schemas.microsoft.com/office/powerpoint/2010/main">
   <p:cSld>
     <p:spTree>
       <p:nvGrpSpPr>
-        <p:cNvPr id="150" name="Shape 150"/>
+        <p:cNvPr id="144" name="Shape 144"/>
         <p:cNvGrpSpPr/>
         <p:nvPr/>
       </p:nvGrpSpPr>
@@ -11571,7 +11670,7 @@
       </p:grpSpPr>
       <p:sp>
         <p:nvSpPr>
-          <p:cNvPr id="151" name="Shape 151"/>
+          <p:cNvPr id="145" name="Shape 145"/>
           <p:cNvSpPr txBox="1"/>
           <p:nvPr>
             <p:ph type="title"/>
@@ -11611,7 +11710,7 @@
       </p:sp>
       <p:sp>
         <p:nvSpPr>
-          <p:cNvPr id="152" name="Shape 152"/>
+          <p:cNvPr id="146" name="Shape 146"/>
           <p:cNvSpPr txBox="1"/>
           <p:nvPr/>
         </p:nvSpPr>
@@ -11663,7 +11762,7 @@
       </p:sp>
       <p:pic>
         <p:nvPicPr>
-          <p:cNvPr id="153" name="Shape 153"/>
+          <p:cNvPr id="147" name="Shape 147"/>
           <p:cNvPicPr preferRelativeResize="0"/>
           <p:nvPr/>
         </p:nvPicPr>
@@ -11690,7 +11789,7 @@
       </p:pic>
       <p:sp>
         <p:nvSpPr>
-          <p:cNvPr id="154" name="Shape 154"/>
+          <p:cNvPr id="148" name="Shape 148"/>
           <p:cNvSpPr txBox="1"/>
           <p:nvPr/>
         </p:nvSpPr>
@@ -11728,7 +11827,7 @@
       </p:sp>
       <p:sp>
         <p:nvSpPr>
-          <p:cNvPr id="155" name="Shape 155"/>
+          <p:cNvPr id="149" name="Shape 149"/>
           <p:cNvSpPr/>
           <p:nvPr/>
         </p:nvSpPr>
@@ -11774,7 +11873,7 @@
       </p:sp>
       <p:sp>
         <p:nvSpPr>
-          <p:cNvPr id="156" name="Shape 156"/>
+          <p:cNvPr id="150" name="Shape 150"/>
           <p:cNvSpPr/>
           <p:nvPr/>
         </p:nvSpPr>
@@ -11820,7 +11919,7 @@
       </p:sp>
       <p:sp>
         <p:nvSpPr>
-          <p:cNvPr id="157" name="Shape 157"/>
+          <p:cNvPr id="151" name="Shape 151"/>
           <p:cNvSpPr/>
           <p:nvPr/>
         </p:nvSpPr>
@@ -11866,7 +11965,7 @@
       </p:sp>
       <p:sp>
         <p:nvSpPr>
-          <p:cNvPr id="158" name="Shape 158"/>
+          <p:cNvPr id="152" name="Shape 152"/>
           <p:cNvSpPr txBox="1"/>
           <p:nvPr/>
         </p:nvSpPr>
@@ -11904,7 +12003,7 @@
       </p:sp>
       <p:sp>
         <p:nvSpPr>
-          <p:cNvPr id="159" name="Shape 159"/>
+          <p:cNvPr id="153" name="Shape 153"/>
           <p:cNvSpPr txBox="1"/>
           <p:nvPr/>
         </p:nvSpPr>
@@ -11936,6 +12035,308 @@
             <a:r>
               <a:rPr lang="pl" sz="800"/>
               <a:t>pattern length [bp]</a:t>
+            </a:r>
+          </a:p>
+        </p:txBody>
+      </p:sp>
+    </p:spTree>
+  </p:cSld>
+  <p:clrMapOvr>
+    <a:masterClrMapping/>
+  </p:clrMapOvr>
+</p:sld>
+</file>
+
+<file path=ppt/slides/slide8.xml><?xml version="1.0" encoding="utf-8"?>
+<p:sld xmlns:a="http://schemas.openxmlformats.org/drawingml/2006/main" xmlns:r="http://schemas.openxmlformats.org/officeDocument/2006/relationships" xmlns:mc="http://schemas.openxmlformats.org/markup-compatibility/2006" xmlns:mv="urn:schemas-microsoft-com:mac:vml" xmlns:p="http://schemas.openxmlformats.org/presentationml/2006/main" xmlns:c="http://schemas.openxmlformats.org/drawingml/2006/chart" xmlns:dgm="http://schemas.openxmlformats.org/drawingml/2006/diagram" xmlns:o="urn:schemas-microsoft-com:office:office" xmlns:v="urn:schemas-microsoft-com:vml" xmlns:pvml="urn:schemas-microsoft-com:office:powerpoint" xmlns:com="http://schemas.openxmlformats.org/drawingml/2006/compatibility" xmlns:p14="http://schemas.microsoft.com/office/powerpoint/2010/main">
+  <p:cSld>
+    <p:spTree>
+      <p:nvGrpSpPr>
+        <p:cNvPr id="157" name="Shape 157"/>
+        <p:cNvGrpSpPr/>
+        <p:nvPr/>
+      </p:nvGrpSpPr>
+      <p:grpSpPr>
+        <a:xfrm>
+          <a:off x="0" y="0"/>
+          <a:ext cx="0" cy="0"/>
+          <a:chOff x="0" y="0"/>
+          <a:chExt cx="0" cy="0"/>
+        </a:xfrm>
+      </p:grpSpPr>
+      <p:sp>
+        <p:nvSpPr>
+          <p:cNvPr id="158" name="Shape 158"/>
+          <p:cNvSpPr txBox="1"/>
+          <p:nvPr>
+            <p:ph type="title"/>
+          </p:nvPr>
+        </p:nvSpPr>
+        <p:spPr>
+          <a:xfrm>
+            <a:off x="311700" y="193750"/>
+            <a:ext cx="8520600" cy="623400"/>
+          </a:xfrm>
+          <a:prstGeom prst="rect">
+            <a:avLst/>
+          </a:prstGeom>
+        </p:spPr>
+        <p:txBody>
+          <a:bodyPr anchorCtr="0" anchor="t" bIns="91425" lIns="91425" rIns="91425" tIns="91425">
+            <a:noAutofit/>
+          </a:bodyPr>
+          <a:lstStyle/>
+          <a:p>
+            <a:pPr lvl="0" rtl="0">
+              <a:spcBef>
+                <a:spcPts val="0"/>
+              </a:spcBef>
+              <a:buNone/>
+            </a:pPr>
+            <a:r>
+              <a:rPr lang="pl"/>
+              <a:t>Searching time, </a:t>
+            </a:r>
+            <a:r>
+              <a:rPr lang="pl"/>
+              <a:t>SW algorithm</a:t>
+            </a:r>
+          </a:p>
+        </p:txBody>
+      </p:sp>
+      <p:pic>
+        <p:nvPicPr>
+          <p:cNvPr id="159" name="Shape 159"/>
+          <p:cNvPicPr preferRelativeResize="0"/>
+          <p:nvPr/>
+        </p:nvPicPr>
+        <p:blipFill rotWithShape="1">
+          <a:blip r:embed="rId3">
+            <a:alphaModFix/>
+          </a:blip>
+          <a:srcRect b="13334" l="22450" r="18220" t="27921"/>
+          <a:stretch/>
+        </p:blipFill>
+        <p:spPr>
+          <a:xfrm>
+            <a:off x="1294850" y="895199"/>
+            <a:ext cx="7150473" cy="3980524"/>
+          </a:xfrm>
+          <a:prstGeom prst="rect">
+            <a:avLst/>
+          </a:prstGeom>
+          <a:noFill/>
+          <a:ln>
+            <a:noFill/>
+          </a:ln>
+        </p:spPr>
+      </p:pic>
+      <p:sp>
+        <p:nvSpPr>
+          <p:cNvPr id="160" name="Shape 160"/>
+          <p:cNvSpPr txBox="1"/>
+          <p:nvPr/>
+        </p:nvSpPr>
+        <p:spPr>
+          <a:xfrm>
+            <a:off x="6169425" y="193750"/>
+            <a:ext cx="3621900" cy="623400"/>
+          </a:xfrm>
+          <a:prstGeom prst="rect">
+            <a:avLst/>
+          </a:prstGeom>
+          <a:noFill/>
+          <a:ln>
+            <a:noFill/>
+          </a:ln>
+        </p:spPr>
+        <p:txBody>
+          <a:bodyPr anchorCtr="0" anchor="ctr" bIns="91425" lIns="91425" rIns="91425" tIns="91425">
+            <a:noAutofit/>
+          </a:bodyPr>
+          <a:lstStyle/>
+          <a:p>
+            <a:pPr lvl="0" rtl="0">
+              <a:spcBef>
+                <a:spcPts val="0"/>
+              </a:spcBef>
+              <a:buNone/>
+            </a:pPr>
+            <a:r>
+              <a:rPr lang="pl">
+                <a:solidFill>
+                  <a:schemeClr val="dk2"/>
+                </a:solidFill>
+              </a:rPr>
+              <a:t>sequence length: 5 000 bp</a:t>
+            </a:r>
+          </a:p>
+        </p:txBody>
+      </p:sp>
+      <p:sp>
+        <p:nvSpPr>
+          <p:cNvPr id="161" name="Shape 161"/>
+          <p:cNvSpPr/>
+          <p:nvPr/>
+        </p:nvSpPr>
+        <p:spPr>
+          <a:xfrm rot="5400000">
+            <a:off x="4706850" y="4207925"/>
+            <a:ext cx="179700" cy="1155900"/>
+          </a:xfrm>
+          <a:prstGeom prst="rect">
+            <a:avLst/>
+          </a:prstGeom>
+          <a:solidFill>
+            <a:srgbClr val="FFFFFF"/>
+          </a:solidFill>
+          <a:ln cap="flat" cmpd="sng" w="9525">
+            <a:solidFill>
+              <a:srgbClr val="FFFFFF"/>
+            </a:solidFill>
+            <a:prstDash val="solid"/>
+            <a:round/>
+            <a:headEnd len="med" w="med" type="none"/>
+            <a:tailEnd len="med" w="med" type="none"/>
+          </a:ln>
+        </p:spPr>
+        <p:txBody>
+          <a:bodyPr anchorCtr="0" anchor="ctr" bIns="91425" lIns="91425" rIns="91425" tIns="91425">
+            <a:noAutofit/>
+          </a:bodyPr>
+          <a:lstStyle/>
+          <a:p>
+            <a:pPr lvl="0">
+              <a:spcBef>
+                <a:spcPts val="0"/>
+              </a:spcBef>
+              <a:buNone/>
+            </a:pPr>
+            <a:r>
+              <a:t/>
+            </a:r>
+            <a:endParaRPr/>
+          </a:p>
+        </p:txBody>
+      </p:sp>
+      <p:sp>
+        <p:nvSpPr>
+          <p:cNvPr id="162" name="Shape 162"/>
+          <p:cNvSpPr txBox="1"/>
+          <p:nvPr/>
+        </p:nvSpPr>
+        <p:spPr>
+          <a:xfrm>
+            <a:off x="4200337" y="4696025"/>
+            <a:ext cx="1339500" cy="179700"/>
+          </a:xfrm>
+          <a:prstGeom prst="rect">
+            <a:avLst/>
+          </a:prstGeom>
+          <a:noFill/>
+          <a:ln>
+            <a:noFill/>
+          </a:ln>
+        </p:spPr>
+        <p:txBody>
+          <a:bodyPr anchorCtr="0" anchor="t" bIns="91425" lIns="91425" rIns="91425" tIns="91425">
+            <a:noAutofit/>
+          </a:bodyPr>
+          <a:lstStyle/>
+          <a:p>
+            <a:pPr lvl="0" rtl="0">
+              <a:spcBef>
+                <a:spcPts val="0"/>
+              </a:spcBef>
+              <a:buNone/>
+            </a:pPr>
+            <a:r>
+              <a:rPr lang="pl" sz="800"/>
+              <a:t>pattern length [bp]</a:t>
+            </a:r>
+          </a:p>
+        </p:txBody>
+      </p:sp>
+      <p:sp>
+        <p:nvSpPr>
+          <p:cNvPr id="163" name="Shape 163"/>
+          <p:cNvSpPr/>
+          <p:nvPr/>
+        </p:nvSpPr>
+        <p:spPr>
+          <a:xfrm>
+            <a:off x="1338200" y="2169437"/>
+            <a:ext cx="179700" cy="1155900"/>
+          </a:xfrm>
+          <a:prstGeom prst="rect">
+            <a:avLst/>
+          </a:prstGeom>
+          <a:solidFill>
+            <a:srgbClr val="FFFFFF"/>
+          </a:solidFill>
+          <a:ln cap="flat" cmpd="sng" w="9525">
+            <a:solidFill>
+              <a:srgbClr val="FFFFFF"/>
+            </a:solidFill>
+            <a:prstDash val="solid"/>
+            <a:round/>
+            <a:headEnd len="med" w="med" type="none"/>
+            <a:tailEnd len="med" w="med" type="none"/>
+          </a:ln>
+        </p:spPr>
+        <p:txBody>
+          <a:bodyPr anchorCtr="0" anchor="ctr" bIns="91425" lIns="91425" rIns="91425" tIns="91425">
+            <a:noAutofit/>
+          </a:bodyPr>
+          <a:lstStyle/>
+          <a:p>
+            <a:pPr lvl="0">
+              <a:spcBef>
+                <a:spcPts val="0"/>
+              </a:spcBef>
+              <a:buNone/>
+            </a:pPr>
+            <a:r>
+              <a:t/>
+            </a:r>
+            <a:endParaRPr/>
+          </a:p>
+        </p:txBody>
+      </p:sp>
+      <p:sp>
+        <p:nvSpPr>
+          <p:cNvPr id="164" name="Shape 164"/>
+          <p:cNvSpPr txBox="1"/>
+          <p:nvPr/>
+        </p:nvSpPr>
+        <p:spPr>
+          <a:xfrm rot="-5400000">
+            <a:off x="1056425" y="2481900"/>
+            <a:ext cx="549900" cy="179700"/>
+          </a:xfrm>
+          <a:prstGeom prst="rect">
+            <a:avLst/>
+          </a:prstGeom>
+          <a:noFill/>
+          <a:ln>
+            <a:noFill/>
+          </a:ln>
+        </p:spPr>
+        <p:txBody>
+          <a:bodyPr anchorCtr="0" anchor="t" bIns="91425" lIns="91425" rIns="91425" tIns="91425">
+            <a:noAutofit/>
+          </a:bodyPr>
+          <a:lstStyle/>
+          <a:p>
+            <a:pPr lvl="0" rtl="0">
+              <a:spcBef>
+                <a:spcPts val="0"/>
+              </a:spcBef>
+              <a:buNone/>
+            </a:pPr>
+            <a:r>
+              <a:rPr lang="pl" sz="800"/>
+              <a:t>time [s]</a:t>
             </a:r>
           </a:p>
         </p:txBody>
@@ -11953,7 +12354,7 @@
   <p:cSld>
     <p:spTree>
       <p:nvGrpSpPr>
-        <p:cNvPr id="163" name="Shape 163"/>
+        <p:cNvPr id="168" name="Shape 168"/>
         <p:cNvGrpSpPr/>
         <p:nvPr/>
       </p:nvGrpSpPr>
@@ -11967,7 +12368,7 @@
       </p:grpSpPr>
       <p:sp>
         <p:nvSpPr>
-          <p:cNvPr id="164" name="Shape 164"/>
+          <p:cNvPr id="169" name="Shape 169"/>
           <p:cNvSpPr txBox="1"/>
           <p:nvPr>
             <p:ph type="title"/>
@@ -11975,7 +12376,7 @@
         </p:nvSpPr>
         <p:spPr>
           <a:xfrm>
-            <a:off x="311700" y="193750"/>
+            <a:off x="311700" y="228300"/>
             <a:ext cx="8520600" cy="623400"/>
           </a:xfrm>
           <a:prstGeom prst="rect">
@@ -11988,26 +12389,44 @@
           </a:bodyPr>
           <a:lstStyle/>
           <a:p>
-            <a:pPr lvl="0" rtl="0">
-              <a:spcBef>
-                <a:spcPts val="0"/>
-              </a:spcBef>
+            <a:pPr lvl="0">
+              <a:spcBef>
+                <a:spcPts val="0"/>
+              </a:spcBef>
+              <a:buClr>
+                <a:schemeClr val="dk2"/>
+              </a:buClr>
+              <a:buSzPct val="36666"/>
+              <a:buFont typeface="Arial"/>
               <a:buNone/>
             </a:pPr>
             <a:r>
               <a:rPr lang="pl"/>
-              <a:t>Searching time, </a:t>
-            </a:r>
-            <a:r>
-              <a:rPr lang="pl"/>
-              <a:t>SW algorithm</a:t>
+              <a:t>Searching time, SW algorithm</a:t>
             </a:r>
           </a:p>
+          <a:p>
+            <a:pPr lvl="0" rtl="0">
+              <a:spcBef>
+                <a:spcPts val="0"/>
+              </a:spcBef>
+              <a:buClr>
+                <a:schemeClr val="dk2"/>
+              </a:buClr>
+              <a:buSzPct val="36666"/>
+              <a:buFont typeface="Arial"/>
+              <a:buNone/>
+            </a:pPr>
+            <a:r>
+              <a:t/>
+            </a:r>
+            <a:endParaRPr/>
+          </a:p>
         </p:txBody>
       </p:sp>
       <p:pic>
         <p:nvPicPr>
-          <p:cNvPr id="165" name="Shape 165"/>
+          <p:cNvPr id="170" name="Shape 170"/>
           <p:cNvPicPr preferRelativeResize="0"/>
           <p:nvPr/>
         </p:nvPicPr>
@@ -12015,13 +12434,13 @@
           <a:blip r:embed="rId3">
             <a:alphaModFix/>
           </a:blip>
-          <a:srcRect b="13334" l="22450" r="18220" t="27921"/>
+          <a:srcRect b="10800" l="23171" r="18461" t="25142"/>
           <a:stretch/>
         </p:blipFill>
         <p:spPr>
           <a:xfrm>
-            <a:off x="1294850" y="895199"/>
-            <a:ext cx="7150473" cy="3980524"/>
+            <a:off x="1278875" y="929050"/>
+            <a:ext cx="6698126" cy="4133099"/>
           </a:xfrm>
           <a:prstGeom prst="rect">
             <a:avLst/>
@@ -12034,14 +12453,14 @@
       </p:pic>
       <p:sp>
         <p:nvSpPr>
-          <p:cNvPr id="166" name="Shape 166"/>
+          <p:cNvPr id="171" name="Shape 171"/>
           <p:cNvSpPr txBox="1"/>
           <p:nvPr/>
         </p:nvSpPr>
         <p:spPr>
           <a:xfrm>
-            <a:off x="6169425" y="193750"/>
-            <a:ext cx="3621900" cy="623400"/>
+            <a:off x="5976650" y="228300"/>
+            <a:ext cx="2795400" cy="623400"/>
           </a:xfrm>
           <a:prstGeom prst="rect">
             <a:avLst/>
@@ -12069,20 +12488,28 @@
                   <a:schemeClr val="dk2"/>
                 </a:solidFill>
               </a:rPr>
-              <a:t>sequence length: 5 000 bp</a:t>
+              <a:t>pattern</a:t>
+            </a:r>
+            <a:r>
+              <a:rPr lang="pl">
+                <a:solidFill>
+                  <a:schemeClr val="dk2"/>
+                </a:solidFill>
+              </a:rPr>
+              <a:t> length: 500 bp</a:t>
             </a:r>
           </a:p>
         </p:txBody>
       </p:sp>
       <p:sp>
         <p:nvSpPr>
-          <p:cNvPr id="167" name="Shape 167"/>
+          <p:cNvPr id="172" name="Shape 172"/>
           <p:cNvSpPr/>
           <p:nvPr/>
         </p:nvSpPr>
         <p:spPr>
           <a:xfrm rot="5400000">
-            <a:off x="4706850" y="4207925"/>
+            <a:off x="4482150" y="4394350"/>
             <a:ext cx="179700" cy="1155900"/>
           </a:xfrm>
           <a:prstGeom prst="rect">
@@ -12122,13 +12549,13 @@
       </p:sp>
       <p:sp>
         <p:nvSpPr>
-          <p:cNvPr id="168" name="Shape 168"/>
+          <p:cNvPr id="173" name="Shape 173"/>
           <p:cNvSpPr txBox="1"/>
           <p:nvPr/>
         </p:nvSpPr>
         <p:spPr>
           <a:xfrm>
-            <a:off x="4200337" y="4696025"/>
+            <a:off x="3958175" y="4799600"/>
             <a:ext cx="1339500" cy="179700"/>
           </a:xfrm>
           <a:prstGeom prst="rect">
@@ -12153,14 +12580,18 @@
             </a:pPr>
             <a:r>
               <a:rPr lang="pl" sz="800"/>
-              <a:t>pattern length [bp]</a:t>
+              <a:t>sequence</a:t>
+            </a:r>
+            <a:r>
+              <a:rPr lang="pl" sz="800"/>
+              <a:t> length [bp]</a:t>
             </a:r>
           </a:p>
         </p:txBody>
       </p:sp>
       <p:sp>
         <p:nvSpPr>
-          <p:cNvPr id="169" name="Shape 169"/>
+          <p:cNvPr id="174" name="Shape 174"/>
           <p:cNvSpPr/>
           <p:nvPr/>
         </p:nvSpPr>
@@ -12206,13 +12637,13 @@
       </p:sp>
       <p:sp>
         <p:nvSpPr>
-          <p:cNvPr id="170" name="Shape 170"/>
+          <p:cNvPr id="175" name="Shape 175"/>
           <p:cNvSpPr txBox="1"/>
           <p:nvPr/>
         </p:nvSpPr>
         <p:spPr>
           <a:xfrm rot="-5400000">
-            <a:off x="1056425" y="2481900"/>
+            <a:off x="1051500" y="2748875"/>
             <a:ext cx="549900" cy="179700"/>
           </a:xfrm>
           <a:prstGeom prst="rect">
@@ -12530,6 +12961,285 @@
 </file>
 
 <file path=ppt/theme/theme2.xml><?xml version="1.0" encoding="utf-8"?>
+<a:theme xmlns:a="http://schemas.openxmlformats.org/drawingml/2006/main" xmlns:r="http://schemas.openxmlformats.org/officeDocument/2006/relationships" name="simple-light-2">
+  <a:themeElements>
+    <a:clrScheme name="Simple Light">
+      <a:dk1>
+        <a:srgbClr val="000000"/>
+      </a:dk1>
+      <a:lt1>
+        <a:srgbClr val="FFFFFF"/>
+      </a:lt1>
+      <a:dk2>
+        <a:srgbClr val="595959"/>
+      </a:dk2>
+      <a:lt2>
+        <a:srgbClr val="EEEEEE"/>
+      </a:lt2>
+      <a:accent1>
+        <a:srgbClr val="FFAB40"/>
+      </a:accent1>
+      <a:accent2>
+        <a:srgbClr val="212121"/>
+      </a:accent2>
+      <a:accent3>
+        <a:srgbClr val="78909C"/>
+      </a:accent3>
+      <a:accent4>
+        <a:srgbClr val="FFAB40"/>
+      </a:accent4>
+      <a:accent5>
+        <a:srgbClr val="0097A7"/>
+      </a:accent5>
+      <a:accent6>
+        <a:srgbClr val="EEFF41"/>
+      </a:accent6>
+      <a:hlink>
+        <a:srgbClr val="0097A7"/>
+      </a:hlink>
+      <a:folHlink>
+        <a:srgbClr val="0097A7"/>
+      </a:folHlink>
+    </a:clrScheme>
+    <a:fontScheme name="Office">
+      <a:majorFont>
+        <a:latin typeface="Arial"/>
+        <a:ea typeface=""/>
+        <a:cs typeface=""/>
+        <a:font script="Jpan" typeface="ＭＳ Ｐゴシック"/>
+        <a:font script="Hang" typeface="맑은 고딕"/>
+        <a:font script="Hans" typeface="宋体"/>
+        <a:font script="Hant" typeface="新細明體"/>
+        <a:font script="Arab" typeface="Times New Roman"/>
+        <a:font script="Hebr" typeface="Times New Roman"/>
+        <a:font script="Thai" typeface="Angsana New"/>
+        <a:font script="Ethi" typeface="Nyala"/>
+        <a:font script="Beng" typeface="Vrinda"/>
+        <a:font script="Gujr" typeface="Shruti"/>
+        <a:font script="Khmr" typeface="MoolBoran"/>
+        <a:font script="Knda" typeface="Tunga"/>
+        <a:font script="Guru" typeface="Raavi"/>
+        <a:font script="Cans" typeface="Euphemia"/>
+        <a:font script="Cher" typeface="Plantagenet Cherokee"/>
+        <a:font script="Yiii" typeface="Microsoft Yi Baiti"/>
+        <a:font script="Tibt" typeface="Microsoft Himalaya"/>
+        <a:font script="Thaa" typeface="MV Boli"/>
+        <a:font script="Deva" typeface="Mangal"/>
+        <a:font script="Telu" typeface="Gautami"/>
+        <a:font script="Taml" typeface="Latha"/>
+        <a:font script="Syrc" typeface="Estrangelo Edessa"/>
+        <a:font script="Orya" typeface="Kalinga"/>
+        <a:font script="Mlym" typeface="Kartika"/>
+        <a:font script="Laoo" typeface="DokChampa"/>
+        <a:font script="Sinh" typeface="Iskoola Pota"/>
+        <a:font script="Mong" typeface="Mongolian Baiti"/>
+        <a:font script="Viet" typeface="Times New Roman"/>
+        <a:font script="Uigh" typeface="Microsoft Uighur"/>
+        <a:font script="Geor" typeface="Sylfaen"/>
+      </a:majorFont>
+      <a:minorFont>
+        <a:latin typeface="Arial"/>
+        <a:ea typeface=""/>
+        <a:cs typeface=""/>
+        <a:font script="Jpan" typeface="ＭＳ Ｐゴシック"/>
+        <a:font script="Hang" typeface="맑은 고딕"/>
+        <a:font script="Hans" typeface="宋体"/>
+        <a:font script="Hant" typeface="新細明體"/>
+        <a:font script="Arab" typeface="Arial"/>
+        <a:font script="Hebr" typeface="Arial"/>
+        <a:font script="Thai" typeface="Cordia New"/>
+        <a:font script="Ethi" typeface="Nyala"/>
+        <a:font script="Beng" typeface="Vrinda"/>
+        <a:font script="Gujr" typeface="Shruti"/>
+        <a:font script="Khmr" typeface="DaunPenh"/>
+        <a:font script="Knda" typeface="Tunga"/>
+        <a:font script="Guru" typeface="Raavi"/>
+        <a:font script="Cans" typeface="Euphemia"/>
+        <a:font script="Cher" typeface="Plantagenet Cherokee"/>
+        <a:font script="Yiii" typeface="Microsoft Yi Baiti"/>
+        <a:font script="Tibt" typeface="Microsoft Himalaya"/>
+        <a:font script="Thaa" typeface="MV Boli"/>
+        <a:font script="Deva" typeface="Mangal"/>
+        <a:font script="Telu" typeface="Gautami"/>
+        <a:font script="Taml" typeface="Latha"/>
+        <a:font script="Syrc" typeface="Estrangelo Edessa"/>
+        <a:font script="Orya" typeface="Kalinga"/>
+        <a:font script="Mlym" typeface="Kartika"/>
+        <a:font script="Laoo" typeface="DokChampa"/>
+        <a:font script="Sinh" typeface="Iskoola Pota"/>
+        <a:font script="Mong" typeface="Mongolian Baiti"/>
+        <a:font script="Viet" typeface="Arial"/>
+        <a:font script="Uigh" typeface="Microsoft Uighur"/>
+        <a:font script="Geor" typeface="Sylfaen"/>
+      </a:minorFont>
+    </a:fontScheme>
+    <a:fmtScheme name="Office">
+      <a:fillStyleLst>
+        <a:solidFill>
+          <a:schemeClr val="phClr"/>
+        </a:solidFill>
+        <a:gradFill rotWithShape="1">
+          <a:gsLst>
+            <a:gs pos="0">
+              <a:schemeClr val="phClr">
+                <a:tint val="50000"/>
+                <a:satMod val="300000"/>
+              </a:schemeClr>
+            </a:gs>
+            <a:gs pos="35000">
+              <a:schemeClr val="phClr">
+                <a:tint val="37000"/>
+                <a:satMod val="300000"/>
+              </a:schemeClr>
+            </a:gs>
+            <a:gs pos="100000">
+              <a:schemeClr val="phClr">
+                <a:tint val="15000"/>
+                <a:satMod val="350000"/>
+              </a:schemeClr>
+            </a:gs>
+          </a:gsLst>
+          <a:lin ang="16200000" scaled="1"/>
+        </a:gradFill>
+        <a:gradFill rotWithShape="1">
+          <a:gsLst>
+            <a:gs pos="0">
+              <a:schemeClr val="phClr">
+                <a:tint val="100000"/>
+                <a:shade val="100000"/>
+                <a:satMod val="130000"/>
+              </a:schemeClr>
+            </a:gs>
+            <a:gs pos="100000">
+              <a:schemeClr val="phClr">
+                <a:tint val="50000"/>
+                <a:shade val="100000"/>
+                <a:satMod val="350000"/>
+              </a:schemeClr>
+            </a:gs>
+          </a:gsLst>
+          <a:lin ang="16200000" scaled="0"/>
+        </a:gradFill>
+      </a:fillStyleLst>
+      <a:lnStyleLst>
+        <a:ln w="9525" cap="flat" cmpd="sng" algn="ctr">
+          <a:solidFill>
+            <a:schemeClr val="phClr">
+              <a:shade val="95000"/>
+              <a:satMod val="105000"/>
+            </a:schemeClr>
+          </a:solidFill>
+          <a:prstDash val="solid"/>
+        </a:ln>
+        <a:ln w="25400" cap="flat" cmpd="sng" algn="ctr">
+          <a:solidFill>
+            <a:schemeClr val="phClr"/>
+          </a:solidFill>
+          <a:prstDash val="solid"/>
+        </a:ln>
+        <a:ln w="38100" cap="flat" cmpd="sng" algn="ctr">
+          <a:solidFill>
+            <a:schemeClr val="phClr"/>
+          </a:solidFill>
+          <a:prstDash val="solid"/>
+        </a:ln>
+      </a:lnStyleLst>
+      <a:effectStyleLst>
+        <a:effectStyle>
+          <a:effectLst>
+            <a:outerShdw blurRad="40000" dist="20000" dir="5400000" rotWithShape="0">
+              <a:srgbClr val="000000">
+                <a:alpha val="38000"/>
+              </a:srgbClr>
+            </a:outerShdw>
+          </a:effectLst>
+        </a:effectStyle>
+        <a:effectStyle>
+          <a:effectLst>
+            <a:outerShdw blurRad="40000" dist="23000" dir="5400000" rotWithShape="0">
+              <a:srgbClr val="000000">
+                <a:alpha val="35000"/>
+              </a:srgbClr>
+            </a:outerShdw>
+          </a:effectLst>
+        </a:effectStyle>
+        <a:effectStyle>
+          <a:effectLst>
+            <a:outerShdw blurRad="40000" dist="23000" dir="5400000" rotWithShape="0">
+              <a:srgbClr val="000000">
+                <a:alpha val="35000"/>
+              </a:srgbClr>
+            </a:outerShdw>
+          </a:effectLst>
+          <a:scene3d>
+            <a:camera prst="orthographicFront">
+              <a:rot lat="0" lon="0" rev="0"/>
+            </a:camera>
+            <a:lightRig rig="threePt" dir="t">
+              <a:rot lat="0" lon="0" rev="1200000"/>
+            </a:lightRig>
+          </a:scene3d>
+          <a:sp3d>
+            <a:bevelT w="63500" h="25400"/>
+          </a:sp3d>
+        </a:effectStyle>
+      </a:effectStyleLst>
+      <a:bgFillStyleLst>
+        <a:solidFill>
+          <a:schemeClr val="phClr"/>
+        </a:solidFill>
+        <a:gradFill rotWithShape="1">
+          <a:gsLst>
+            <a:gs pos="0">
+              <a:schemeClr val="phClr">
+                <a:tint val="40000"/>
+                <a:satMod val="350000"/>
+              </a:schemeClr>
+            </a:gs>
+            <a:gs pos="40000">
+              <a:schemeClr val="phClr">
+                <a:tint val="45000"/>
+                <a:shade val="99000"/>
+                <a:satMod val="350000"/>
+              </a:schemeClr>
+            </a:gs>
+            <a:gs pos="100000">
+              <a:schemeClr val="phClr">
+                <a:shade val="20000"/>
+                <a:satMod val="255000"/>
+              </a:schemeClr>
+            </a:gs>
+          </a:gsLst>
+          <a:path path="circle">
+            <a:fillToRect l="50000" t="-80000" r="50000" b="180000"/>
+          </a:path>
+        </a:gradFill>
+        <a:gradFill rotWithShape="1">
+          <a:gsLst>
+            <a:gs pos="0">
+              <a:schemeClr val="phClr">
+                <a:tint val="80000"/>
+                <a:satMod val="300000"/>
+              </a:schemeClr>
+            </a:gs>
+            <a:gs pos="100000">
+              <a:schemeClr val="phClr">
+                <a:shade val="30000"/>
+                <a:satMod val="200000"/>
+              </a:schemeClr>
+            </a:gs>
+          </a:gsLst>
+          <a:path path="circle">
+            <a:fillToRect l="50000" t="50000" r="50000" b="50000"/>
+          </a:path>
+        </a:gradFill>
+      </a:bgFillStyleLst>
+    </a:fmtScheme>
+  </a:themeElements>
+</a:theme>
+</file>
+
+<file path=ppt/theme/theme3.xml><?xml version="1.0" encoding="utf-8"?>
 <a:theme xmlns:a="http://schemas.openxmlformats.org/drawingml/2006/main" xmlns:r="http://schemas.openxmlformats.org/officeDocument/2006/relationships" name="Custom Theme">
   <a:themeElements>
     <a:clrScheme name="Default">
@@ -12806,283 +13516,4 @@
     </a:fmtScheme>
   </a:themeElements>
 </a:theme>
-</file>
-
-<file path=ppt/theme/theme3.xml><?xml version="1.0" encoding="utf-8"?>
-<a:theme xmlns:a="http://schemas.openxmlformats.org/drawingml/2006/main" xmlns:r="http://schemas.openxmlformats.org/officeDocument/2006/relationships" name="simple-light-2">
-  <a:themeElements>
-    <a:clrScheme name="Simple Light">
-      <a:dk1>
-        <a:srgbClr val="000000"/>
-      </a:dk1>
-      <a:lt1>
-        <a:srgbClr val="FFFFFF"/>
-      </a:lt1>
-      <a:dk2>
-        <a:srgbClr val="595959"/>
-      </a:dk2>
-      <a:lt2>
-        <a:srgbClr val="EEEEEE"/>
-      </a:lt2>
-      <a:accent1>
-        <a:srgbClr val="FFAB40"/>
-      </a:accent1>
-      <a:accent2>
-        <a:srgbClr val="212121"/>
-      </a:accent2>
-      <a:accent3>
-        <a:srgbClr val="78909C"/>
-      </a:accent3>
-      <a:accent4>
-        <a:srgbClr val="FFAB40"/>
-      </a:accent4>
-      <a:accent5>
-        <a:srgbClr val="0097A7"/>
-      </a:accent5>
-      <a:accent6>
-        <a:srgbClr val="EEFF41"/>
-      </a:accent6>
-      <a:hlink>
-        <a:srgbClr val="0097A7"/>
-      </a:hlink>
-      <a:folHlink>
-        <a:srgbClr val="0097A7"/>
-      </a:folHlink>
-    </a:clrScheme>
-    <a:fontScheme name="Office">
-      <a:majorFont>
-        <a:latin typeface="Arial"/>
-        <a:ea typeface=""/>
-        <a:cs typeface=""/>
-        <a:font script="Jpan" typeface="ＭＳ Ｐゴシック"/>
-        <a:font script="Hang" typeface="맑은 고딕"/>
-        <a:font script="Hans" typeface="宋体"/>
-        <a:font script="Hant" typeface="新細明體"/>
-        <a:font script="Arab" typeface="Times New Roman"/>
-        <a:font script="Hebr" typeface="Times New Roman"/>
-        <a:font script="Thai" typeface="Angsana New"/>
-        <a:font script="Ethi" typeface="Nyala"/>
-        <a:font script="Beng" typeface="Vrinda"/>
-        <a:font script="Gujr" typeface="Shruti"/>
-        <a:font script="Khmr" typeface="MoolBoran"/>
-        <a:font script="Knda" typeface="Tunga"/>
-        <a:font script="Guru" typeface="Raavi"/>
-        <a:font script="Cans" typeface="Euphemia"/>
-        <a:font script="Cher" typeface="Plantagenet Cherokee"/>
-        <a:font script="Yiii" typeface="Microsoft Yi Baiti"/>
-        <a:font script="Tibt" typeface="Microsoft Himalaya"/>
-        <a:font script="Thaa" typeface="MV Boli"/>
-        <a:font script="Deva" typeface="Mangal"/>
-        <a:font script="Telu" typeface="Gautami"/>
-        <a:font script="Taml" typeface="Latha"/>
-        <a:font script="Syrc" typeface="Estrangelo Edessa"/>
-        <a:font script="Orya" typeface="Kalinga"/>
-        <a:font script="Mlym" typeface="Kartika"/>
-        <a:font script="Laoo" typeface="DokChampa"/>
-        <a:font script="Sinh" typeface="Iskoola Pota"/>
-        <a:font script="Mong" typeface="Mongolian Baiti"/>
-        <a:font script="Viet" typeface="Times New Roman"/>
-        <a:font script="Uigh" typeface="Microsoft Uighur"/>
-        <a:font script="Geor" typeface="Sylfaen"/>
-      </a:majorFont>
-      <a:minorFont>
-        <a:latin typeface="Arial"/>
-        <a:ea typeface=""/>
-        <a:cs typeface=""/>
-        <a:font script="Jpan" typeface="ＭＳ Ｐゴシック"/>
-        <a:font script="Hang" typeface="맑은 고딕"/>
-        <a:font script="Hans" typeface="宋体"/>
-        <a:font script="Hant" typeface="新細明體"/>
-        <a:font script="Arab" typeface="Arial"/>
-        <a:font script="Hebr" typeface="Arial"/>
-        <a:font script="Thai" typeface="Cordia New"/>
-        <a:font script="Ethi" typeface="Nyala"/>
-        <a:font script="Beng" typeface="Vrinda"/>
-        <a:font script="Gujr" typeface="Shruti"/>
-        <a:font script="Khmr" typeface="DaunPenh"/>
-        <a:font script="Knda" typeface="Tunga"/>
-        <a:font script="Guru" typeface="Raavi"/>
-        <a:font script="Cans" typeface="Euphemia"/>
-        <a:font script="Cher" typeface="Plantagenet Cherokee"/>
-        <a:font script="Yiii" typeface="Microsoft Yi Baiti"/>
-        <a:font script="Tibt" typeface="Microsoft Himalaya"/>
-        <a:font script="Thaa" typeface="MV Boli"/>
-        <a:font script="Deva" typeface="Mangal"/>
-        <a:font script="Telu" typeface="Gautami"/>
-        <a:font script="Taml" typeface="Latha"/>
-        <a:font script="Syrc" typeface="Estrangelo Edessa"/>
-        <a:font script="Orya" typeface="Kalinga"/>
-        <a:font script="Mlym" typeface="Kartika"/>
-        <a:font script="Laoo" typeface="DokChampa"/>
-        <a:font script="Sinh" typeface="Iskoola Pota"/>
-        <a:font script="Mong" typeface="Mongolian Baiti"/>
-        <a:font script="Viet" typeface="Arial"/>
-        <a:font script="Uigh" typeface="Microsoft Uighur"/>
-        <a:font script="Geor" typeface="Sylfaen"/>
-      </a:minorFont>
-    </a:fontScheme>
-    <a:fmtScheme name="Office">
-      <a:fillStyleLst>
-        <a:solidFill>
-          <a:schemeClr val="phClr"/>
-        </a:solidFill>
-        <a:gradFill rotWithShape="1">
-          <a:gsLst>
-            <a:gs pos="0">
-              <a:schemeClr val="phClr">
-                <a:tint val="50000"/>
-                <a:satMod val="300000"/>
-              </a:schemeClr>
-            </a:gs>
-            <a:gs pos="35000">
-              <a:schemeClr val="phClr">
-                <a:tint val="37000"/>
-                <a:satMod val="300000"/>
-              </a:schemeClr>
-            </a:gs>
-            <a:gs pos="100000">
-              <a:schemeClr val="phClr">
-                <a:tint val="15000"/>
-                <a:satMod val="350000"/>
-              </a:schemeClr>
-            </a:gs>
-          </a:gsLst>
-          <a:lin ang="16200000" scaled="1"/>
-        </a:gradFill>
-        <a:gradFill rotWithShape="1">
-          <a:gsLst>
-            <a:gs pos="0">
-              <a:schemeClr val="phClr">
-                <a:tint val="100000"/>
-                <a:shade val="100000"/>
-                <a:satMod val="130000"/>
-              </a:schemeClr>
-            </a:gs>
-            <a:gs pos="100000">
-              <a:schemeClr val="phClr">
-                <a:tint val="50000"/>
-                <a:shade val="100000"/>
-                <a:satMod val="350000"/>
-              </a:schemeClr>
-            </a:gs>
-          </a:gsLst>
-          <a:lin ang="16200000" scaled="0"/>
-        </a:gradFill>
-      </a:fillStyleLst>
-      <a:lnStyleLst>
-        <a:ln w="9525" cap="flat" cmpd="sng" algn="ctr">
-          <a:solidFill>
-            <a:schemeClr val="phClr">
-              <a:shade val="95000"/>
-              <a:satMod val="105000"/>
-            </a:schemeClr>
-          </a:solidFill>
-          <a:prstDash val="solid"/>
-        </a:ln>
-        <a:ln w="25400" cap="flat" cmpd="sng" algn="ctr">
-          <a:solidFill>
-            <a:schemeClr val="phClr"/>
-          </a:solidFill>
-          <a:prstDash val="solid"/>
-        </a:ln>
-        <a:ln w="38100" cap="flat" cmpd="sng" algn="ctr">
-          <a:solidFill>
-            <a:schemeClr val="phClr"/>
-          </a:solidFill>
-          <a:prstDash val="solid"/>
-        </a:ln>
-      </a:lnStyleLst>
-      <a:effectStyleLst>
-        <a:effectStyle>
-          <a:effectLst>
-            <a:outerShdw blurRad="40000" dist="20000" dir="5400000" rotWithShape="0">
-              <a:srgbClr val="000000">
-                <a:alpha val="38000"/>
-              </a:srgbClr>
-            </a:outerShdw>
-          </a:effectLst>
-        </a:effectStyle>
-        <a:effectStyle>
-          <a:effectLst>
-            <a:outerShdw blurRad="40000" dist="23000" dir="5400000" rotWithShape="0">
-              <a:srgbClr val="000000">
-                <a:alpha val="35000"/>
-              </a:srgbClr>
-            </a:outerShdw>
-          </a:effectLst>
-        </a:effectStyle>
-        <a:effectStyle>
-          <a:effectLst>
-            <a:outerShdw blurRad="40000" dist="23000" dir="5400000" rotWithShape="0">
-              <a:srgbClr val="000000">
-                <a:alpha val="35000"/>
-              </a:srgbClr>
-            </a:outerShdw>
-          </a:effectLst>
-          <a:scene3d>
-            <a:camera prst="orthographicFront">
-              <a:rot lat="0" lon="0" rev="0"/>
-            </a:camera>
-            <a:lightRig rig="threePt" dir="t">
-              <a:rot lat="0" lon="0" rev="1200000"/>
-            </a:lightRig>
-          </a:scene3d>
-          <a:sp3d>
-            <a:bevelT w="63500" h="25400"/>
-          </a:sp3d>
-        </a:effectStyle>
-      </a:effectStyleLst>
-      <a:bgFillStyleLst>
-        <a:solidFill>
-          <a:schemeClr val="phClr"/>
-        </a:solidFill>
-        <a:gradFill rotWithShape="1">
-          <a:gsLst>
-            <a:gs pos="0">
-              <a:schemeClr val="phClr">
-                <a:tint val="40000"/>
-                <a:satMod val="350000"/>
-              </a:schemeClr>
-            </a:gs>
-            <a:gs pos="40000">
-              <a:schemeClr val="phClr">
-                <a:tint val="45000"/>
-                <a:shade val="99000"/>
-                <a:satMod val="350000"/>
-              </a:schemeClr>
-            </a:gs>
-            <a:gs pos="100000">
-              <a:schemeClr val="phClr">
-                <a:shade val="20000"/>
-                <a:satMod val="255000"/>
-              </a:schemeClr>
-            </a:gs>
-          </a:gsLst>
-          <a:path path="circle">
-            <a:fillToRect l="50000" t="-80000" r="50000" b="180000"/>
-          </a:path>
-        </a:gradFill>
-        <a:gradFill rotWithShape="1">
-          <a:gsLst>
-            <a:gs pos="0">
-              <a:schemeClr val="phClr">
-                <a:tint val="80000"/>
-                <a:satMod val="300000"/>
-              </a:schemeClr>
-            </a:gs>
-            <a:gs pos="100000">
-              <a:schemeClr val="phClr">
-                <a:shade val="30000"/>
-                <a:satMod val="200000"/>
-              </a:schemeClr>
-            </a:gs>
-          </a:gsLst>
-          <a:path path="circle">
-            <a:fillToRect l="50000" t="50000" r="50000" b="50000"/>
-          </a:path>
-        </a:gradFill>
-      </a:bgFillStyleLst>
-    </a:fmtScheme>
-  </a:themeElements>
-</a:theme>
 </file>